--- a/Week2_2025_DB.pptx
+++ b/Week2_2025_DB.pptx
@@ -641,8 +641,17 @@
           <a:p>
             <a:r>
               <a:rPr lang="en-US" dirty="0"/>
-              <a:t>We currently have 3 sets of requirements. But we only want 1 set to work from.</a:t>
-            </a:r>
+              <a:t>You will be building new software in this project.  It implies that you be very hands-on.  </a:t>
+            </a:r>
+          </a:p>
+          <a:p>
+            <a:r>
+              <a:rPr lang="en-US" dirty="0"/>
+              <a:t>Architecture is an abstracted view of the system, as a whole, how different building blocks connect to others.  It’s important that we design the architecture, before we start coding.  If we don’t have a good architecture, then you might be building a product that cannot be scaled, or is a real pain to be maintained.</a:t>
+            </a:r>
+          </a:p>
+          <a:p>
+            <a:endParaRPr lang="en-US" dirty="0"/>
           </a:p>
         </p:txBody>
       </p:sp>
@@ -663,6 +672,93 @@
           <a:p>
             <a:fld id="{E382336C-00B0-2B40-9B70-26D1CE58CB82}" type="slidenum">
               <a:rPr lang="en-US" smtClean="0"/>
+              <a:t>5</a:t>
+            </a:fld>
+            <a:endParaRPr lang="en-US"/>
+          </a:p>
+        </p:txBody>
+      </p:sp>
+    </p:spTree>
+    <p:extLst>
+      <p:ext uri="{BB962C8B-B14F-4D97-AF65-F5344CB8AC3E}">
+        <p14:creationId xmlns:p14="http://schemas.microsoft.com/office/powerpoint/2010/main" val="4291752155"/>
+      </p:ext>
+    </p:extLst>
+  </p:cSld>
+  <p:clrMapOvr>
+    <a:masterClrMapping/>
+  </p:clrMapOvr>
+</p:notes>
+</file>
+
+<file path=ppt/notesSlides/notesSlide3.xml><?xml version="1.0" encoding="utf-8"?>
+<p:notes xmlns:a="http://schemas.openxmlformats.org/drawingml/2006/main" xmlns:r="http://schemas.openxmlformats.org/officeDocument/2006/relationships" xmlns:p="http://schemas.openxmlformats.org/presentationml/2006/main">
+  <p:cSld>
+    <p:spTree>
+      <p:nvGrpSpPr>
+        <p:cNvPr id="1" name=""/>
+        <p:cNvGrpSpPr/>
+        <p:nvPr/>
+      </p:nvGrpSpPr>
+      <p:grpSpPr>
+        <a:xfrm>
+          <a:off x="0" y="0"/>
+          <a:ext cx="0" cy="0"/>
+          <a:chOff x="0" y="0"/>
+          <a:chExt cx="0" cy="0"/>
+        </a:xfrm>
+      </p:grpSpPr>
+      <p:sp>
+        <p:nvSpPr>
+          <p:cNvPr id="2" name="Slide Image Placeholder 1"/>
+          <p:cNvSpPr>
+            <a:spLocks noGrp="1" noRot="1" noChangeAspect="1"/>
+          </p:cNvSpPr>
+          <p:nvPr>
+            <p:ph type="sldImg"/>
+          </p:nvPr>
+        </p:nvSpPr>
+        <p:spPr/>
+      </p:sp>
+      <p:sp>
+        <p:nvSpPr>
+          <p:cNvPr id="3" name="Notes Placeholder 2"/>
+          <p:cNvSpPr>
+            <a:spLocks noGrp="1"/>
+          </p:cNvSpPr>
+          <p:nvPr>
+            <p:ph type="body" idx="1"/>
+          </p:nvPr>
+        </p:nvSpPr>
+        <p:spPr/>
+        <p:txBody>
+          <a:bodyPr/>
+          <a:lstStyle/>
+          <a:p>
+            <a:r>
+              <a:rPr lang="en-US" dirty="0"/>
+              <a:t>We currently have 3 sets of requirements. But we only want 1 set to work from.</a:t>
+            </a:r>
+          </a:p>
+        </p:txBody>
+      </p:sp>
+      <p:sp>
+        <p:nvSpPr>
+          <p:cNvPr id="4" name="Slide Number Placeholder 3"/>
+          <p:cNvSpPr>
+            <a:spLocks noGrp="1"/>
+          </p:cNvSpPr>
+          <p:nvPr>
+            <p:ph type="sldNum" sz="quarter" idx="5"/>
+          </p:nvPr>
+        </p:nvSpPr>
+        <p:spPr/>
+        <p:txBody>
+          <a:bodyPr/>
+          <a:lstStyle/>
+          <a:p>
+            <a:fld id="{E382336C-00B0-2B40-9B70-26D1CE58CB82}" type="slidenum">
+              <a:rPr lang="en-US" smtClean="0"/>
               <a:t>13</a:t>
             </a:fld>
             <a:endParaRPr lang="en-US"/>
@@ -682,7 +778,7 @@
 </p:notes>
 </file>
 
-<file path=ppt/notesSlides/notesSlide3.xml><?xml version="1.0" encoding="utf-8"?>
+<file path=ppt/notesSlides/notesSlide4.xml><?xml version="1.0" encoding="utf-8"?>
 <p:notes xmlns:a="http://schemas.openxmlformats.org/drawingml/2006/main" xmlns:r="http://schemas.openxmlformats.org/officeDocument/2006/relationships" xmlns:p="http://schemas.openxmlformats.org/presentationml/2006/main">
   <p:cSld>
     <p:spTree>
@@ -4410,7 +4506,7 @@
             </a:pPr>
             <a:r>
               <a:rPr lang="en-US" sz="3000" dirty="0"/>
-              <a:t>Canvas LMS – have you reviewed the assessment</a:t>
+              <a:t>Canvas LMS – have you managed to access the 90009 Zip files</a:t>
             </a:r>
           </a:p>
           <a:p>
@@ -14323,8 +14419,8 @@
         </p:nvSpPr>
         <p:spPr>
           <a:xfrm>
-            <a:off x="767255" y="1749838"/>
-            <a:ext cx="10657490" cy="4467057"/>
+            <a:off x="767255" y="1861350"/>
+            <a:ext cx="10657490" cy="3913059"/>
           </a:xfrm>
           <a:prstGeom prst="rect">
             <a:avLst/>
@@ -14345,44 +14441,7 @@
             </a:pPr>
             <a:r>
               <a:rPr lang="en-US" sz="2400" dirty="0"/>
-              <a:t>It’s high level, first draft of the system block diagram.  Must show;</a:t>
-            </a:r>
-          </a:p>
-          <a:p>
-            <a:pPr marL="914400" lvl="1" indent="-457200">
-              <a:lnSpc>
-                <a:spcPct val="150000"/>
-              </a:lnSpc>
-              <a:buFont typeface="Arial" panose="020B0604020202020204" pitchFamily="34" charset="0"/>
-              <a:buChar char="•"/>
-            </a:pPr>
-            <a:r>
-              <a:rPr lang="en-US" sz="2400" dirty="0"/>
-              <a:t>Blocks (key functions – some internal and some external)</a:t>
-            </a:r>
-          </a:p>
-          <a:p>
-            <a:pPr marL="914400" lvl="1" indent="-457200">
-              <a:lnSpc>
-                <a:spcPct val="150000"/>
-              </a:lnSpc>
-              <a:buFont typeface="Arial" panose="020B0604020202020204" pitchFamily="34" charset="0"/>
-              <a:buChar char="•"/>
-            </a:pPr>
-            <a:r>
-              <a:rPr lang="en-US" sz="2400" dirty="0"/>
-              <a:t>Interfaces between blocks (serviced by APIs)</a:t>
-            </a:r>
-          </a:p>
-          <a:p>
-            <a:pPr lvl="1">
-              <a:lnSpc>
-                <a:spcPct val="150000"/>
-              </a:lnSpc>
-            </a:pPr>
-            <a:r>
-              <a:rPr lang="en-US" sz="2400" dirty="0"/>
-              <a:t>It doesn’t need to have the technologies identified.</a:t>
+              <a:t>It’s high level, first draft of the system block diagram. </a:t>
             </a:r>
           </a:p>
           <a:p>
@@ -14423,6 +14482,18 @@
             <a:r>
               <a:rPr lang="en-US" sz="2400" dirty="0"/>
               <a:t>) at this stage</a:t>
+            </a:r>
+          </a:p>
+          <a:p>
+            <a:pPr marL="342900" indent="-342900">
+              <a:lnSpc>
+                <a:spcPct val="150000"/>
+              </a:lnSpc>
+              <a:buAutoNum type="arabicPeriod"/>
+            </a:pPr>
+            <a:r>
+              <a:rPr lang="en-US" sz="2400" dirty="0"/>
+              <a:t>You can produce more than one concept design, if you wish, and select the one that best meets the needs of security, scalability and maintainability</a:t>
             </a:r>
           </a:p>
         </p:txBody>
@@ -14488,15 +14559,33 @@
                                   </p:childTnLst>
                                 </p:cTn>
                               </p:par>
+                            </p:childTnLst>
+                          </p:cTn>
+                        </p:par>
+                      </p:childTnLst>
+                    </p:cTn>
+                  </p:par>
+                  <p:par>
+                    <p:cTn id="7" fill="hold">
+                      <p:stCondLst>
+                        <p:cond delay="indefinite"/>
+                      </p:stCondLst>
+                      <p:childTnLst>
+                        <p:par>
+                          <p:cTn id="8" fill="hold">
+                            <p:stCondLst>
+                              <p:cond delay="0"/>
+                            </p:stCondLst>
+                            <p:childTnLst>
                               <p:par>
-                                <p:cTn id="7" presetID="1" presetClass="entr" presetSubtype="0" fill="hold" nodeType="withEffect">
+                                <p:cTn id="9" presetID="1" presetClass="entr" presetSubtype="0" fill="hold" nodeType="clickEffect">
                                   <p:stCondLst>
                                     <p:cond delay="0"/>
                                   </p:stCondLst>
                                   <p:childTnLst>
                                     <p:set>
                                       <p:cBhvr>
-                                        <p:cTn id="8" dur="1" fill="hold">
+                                        <p:cTn id="10" dur="1" fill="hold">
                                           <p:stCondLst>
                                             <p:cond delay="0"/>
                                           </p:stCondLst>
@@ -14519,15 +14608,33 @@
                                   </p:childTnLst>
                                 </p:cTn>
                               </p:par>
+                            </p:childTnLst>
+                          </p:cTn>
+                        </p:par>
+                      </p:childTnLst>
+                    </p:cTn>
+                  </p:par>
+                  <p:par>
+                    <p:cTn id="11" fill="hold">
+                      <p:stCondLst>
+                        <p:cond delay="indefinite"/>
+                      </p:stCondLst>
+                      <p:childTnLst>
+                        <p:par>
+                          <p:cTn id="12" fill="hold">
+                            <p:stCondLst>
+                              <p:cond delay="0"/>
+                            </p:stCondLst>
+                            <p:childTnLst>
                               <p:par>
-                                <p:cTn id="9" presetID="1" presetClass="entr" presetSubtype="0" fill="hold" nodeType="withEffect">
+                                <p:cTn id="13" presetID="1" presetClass="entr" presetSubtype="0" fill="hold" nodeType="clickEffect">
                                   <p:stCondLst>
                                     <p:cond delay="0"/>
                                   </p:stCondLst>
                                   <p:childTnLst>
                                     <p:set>
                                       <p:cBhvr>
-                                        <p:cTn id="10" dur="1" fill="hold">
+                                        <p:cTn id="14" dur="1" fill="hold">
                                           <p:stCondLst>
                                             <p:cond delay="0"/>
                                           </p:stCondLst>
@@ -14550,15 +14657,33 @@
                                   </p:childTnLst>
                                 </p:cTn>
                               </p:par>
+                            </p:childTnLst>
+                          </p:cTn>
+                        </p:par>
+                      </p:childTnLst>
+                    </p:cTn>
+                  </p:par>
+                  <p:par>
+                    <p:cTn id="15" fill="hold">
+                      <p:stCondLst>
+                        <p:cond delay="indefinite"/>
+                      </p:stCondLst>
+                      <p:childTnLst>
+                        <p:par>
+                          <p:cTn id="16" fill="hold">
+                            <p:stCondLst>
+                              <p:cond delay="0"/>
+                            </p:stCondLst>
+                            <p:childTnLst>
                               <p:par>
-                                <p:cTn id="11" presetID="1" presetClass="entr" presetSubtype="0" fill="hold" nodeType="withEffect">
+                                <p:cTn id="17" presetID="1" presetClass="entr" presetSubtype="0" fill="hold" nodeType="clickEffect">
                                   <p:stCondLst>
                                     <p:cond delay="0"/>
                                   </p:stCondLst>
                                   <p:childTnLst>
                                     <p:set>
                                       <p:cBhvr>
-                                        <p:cTn id="12" dur="1" fill="hold">
+                                        <p:cTn id="18" dur="1" fill="hold">
                                           <p:stCondLst>
                                             <p:cond delay="0"/>
                                           </p:stCondLst>
@@ -14567,104 +14692,6 @@
                                           <p:spTgt spid="7">
                                             <p:txEl>
                                               <p:pRg st="3" end="3"/>
-                                            </p:txEl>
-                                          </p:spTgt>
-                                        </p:tgtEl>
-                                        <p:attrNameLst>
-                                          <p:attrName>style.visibility</p:attrName>
-                                        </p:attrNameLst>
-                                      </p:cBhvr>
-                                      <p:to>
-                                        <p:strVal val="visible"/>
-                                      </p:to>
-                                    </p:set>
-                                  </p:childTnLst>
-                                </p:cTn>
-                              </p:par>
-                            </p:childTnLst>
-                          </p:cTn>
-                        </p:par>
-                      </p:childTnLst>
-                    </p:cTn>
-                  </p:par>
-                  <p:par>
-                    <p:cTn id="13" fill="hold">
-                      <p:stCondLst>
-                        <p:cond delay="indefinite"/>
-                      </p:stCondLst>
-                      <p:childTnLst>
-                        <p:par>
-                          <p:cTn id="14" fill="hold">
-                            <p:stCondLst>
-                              <p:cond delay="0"/>
-                            </p:stCondLst>
-                            <p:childTnLst>
-                              <p:par>
-                                <p:cTn id="15" presetID="1" presetClass="entr" presetSubtype="0" fill="hold" nodeType="clickEffect">
-                                  <p:stCondLst>
-                                    <p:cond delay="0"/>
-                                  </p:stCondLst>
-                                  <p:childTnLst>
-                                    <p:set>
-                                      <p:cBhvr>
-                                        <p:cTn id="16" dur="1" fill="hold">
-                                          <p:stCondLst>
-                                            <p:cond delay="0"/>
-                                          </p:stCondLst>
-                                        </p:cTn>
-                                        <p:tgtEl>
-                                          <p:spTgt spid="7">
-                                            <p:txEl>
-                                              <p:pRg st="4" end="4"/>
-                                            </p:txEl>
-                                          </p:spTgt>
-                                        </p:tgtEl>
-                                        <p:attrNameLst>
-                                          <p:attrName>style.visibility</p:attrName>
-                                        </p:attrNameLst>
-                                      </p:cBhvr>
-                                      <p:to>
-                                        <p:strVal val="visible"/>
-                                      </p:to>
-                                    </p:set>
-                                  </p:childTnLst>
-                                </p:cTn>
-                              </p:par>
-                            </p:childTnLst>
-                          </p:cTn>
-                        </p:par>
-                      </p:childTnLst>
-                    </p:cTn>
-                  </p:par>
-                  <p:par>
-                    <p:cTn id="17" fill="hold">
-                      <p:stCondLst>
-                        <p:cond delay="indefinite"/>
-                      </p:stCondLst>
-                      <p:childTnLst>
-                        <p:par>
-                          <p:cTn id="18" fill="hold">
-                            <p:stCondLst>
-                              <p:cond delay="0"/>
-                            </p:stCondLst>
-                            <p:childTnLst>
-                              <p:par>
-                                <p:cTn id="19" presetID="1" presetClass="entr" presetSubtype="0" fill="hold" nodeType="clickEffect">
-                                  <p:stCondLst>
-                                    <p:cond delay="0"/>
-                                  </p:stCondLst>
-                                  <p:childTnLst>
-                                    <p:set>
-                                      <p:cBhvr>
-                                        <p:cTn id="20" dur="1" fill="hold">
-                                          <p:stCondLst>
-                                            <p:cond delay="0"/>
-                                          </p:stCondLst>
-                                        </p:cTn>
-                                        <p:tgtEl>
-                                          <p:spTgt spid="7">
-                                            <p:txEl>
-                                              <p:pRg st="5" end="5"/>
                                             </p:txEl>
                                           </p:spTgt>
                                         </p:tgtEl>
@@ -16023,7 +16050,7 @@
         </p:nvSpPr>
         <p:spPr>
           <a:xfrm>
-            <a:off x="1779119" y="281152"/>
+            <a:off x="675532" y="3770586"/>
             <a:ext cx="3938508" cy="891788"/>
           </a:xfrm>
         </p:spPr>
@@ -16033,6 +16060,14 @@
           </a:bodyPr>
           <a:lstStyle/>
           <a:p>
+            <a:pPr algn="l"/>
+            <a:r>
+              <a:rPr lang="en-US" dirty="0"/>
+              <a:t>Team Member</a:t>
+            </a:r>
+            <a:br>
+              <a:rPr lang="en-US" dirty="0"/>
+            </a:br>
             <a:r>
               <a:rPr lang="en-US" dirty="0"/>
               <a:t>Introductions</a:t>
@@ -16170,41 +16205,6 @@
           </a:extLst>
         </p:spPr>
       </p:pic>
-      <p:sp>
-        <p:nvSpPr>
-          <p:cNvPr id="3" name="TextBox 2">
-            <a:extLst>
-              <a:ext uri="{FF2B5EF4-FFF2-40B4-BE49-F238E27FC236}">
-                <a16:creationId xmlns:a16="http://schemas.microsoft.com/office/drawing/2014/main" id="{E9215533-7AB6-B295-B81C-92B5DE826D96}"/>
-              </a:ext>
-            </a:extLst>
-          </p:cNvPr>
-          <p:cNvSpPr txBox="1"/>
-          <p:nvPr/>
-        </p:nvSpPr>
-        <p:spPr>
-          <a:xfrm>
-            <a:off x="555592" y="1971848"/>
-            <a:ext cx="4513736" cy="400110"/>
-          </a:xfrm>
-          <a:prstGeom prst="rect">
-            <a:avLst/>
-          </a:prstGeom>
-          <a:noFill/>
-        </p:spPr>
-        <p:txBody>
-          <a:bodyPr wrap="none" rtlCol="0">
-            <a:spAutoFit/>
-          </a:bodyPr>
-          <a:lstStyle/>
-          <a:p>
-            <a:r>
-              <a:rPr lang="en-US" sz="2000" dirty="0"/>
-              <a:t>Take 5 mins to meet your team members.</a:t>
-            </a:r>
-          </a:p>
-        </p:txBody>
-      </p:sp>
     </p:spTree>
     <p:extLst>
       <p:ext uri="{BB962C8B-B14F-4D97-AF65-F5344CB8AC3E}">
@@ -16288,8 +16288,8 @@
         </p:nvSpPr>
         <p:spPr>
           <a:xfrm>
-            <a:off x="751277" y="2136673"/>
-            <a:ext cx="10515600" cy="3791161"/>
+            <a:off x="751276" y="2136673"/>
+            <a:ext cx="10857143" cy="3791161"/>
           </a:xfrm>
         </p:spPr>
         <p:txBody>
@@ -16313,7 +16313,7 @@
             </a:r>
             <a:r>
               <a:rPr lang="en-US" dirty="0"/>
-              <a:t> of your solution</a:t>
+              <a:t> of your solution (before you start coding)</a:t>
             </a:r>
           </a:p>
           <a:p>
@@ -16371,7 +16371,7 @@
           <p:nvPr/>
         </p:nvPicPr>
         <p:blipFill>
-          <a:blip r:embed="rId2">
+          <a:blip r:embed="rId3">
             <a:extLst>
               <a:ext uri="{28A0092B-C50C-407E-A947-70E740481C1C}">
                 <a14:useLocalDpi xmlns:a14="http://schemas.microsoft.com/office/drawing/2010/main" val="0"/>

--- a/Week2_2025_DB.pptx
+++ b/Week2_2025_DB.pptx
@@ -4486,7 +4486,7 @@
         <p:spPr>
           <a:xfrm>
             <a:off x="1660137" y="2301016"/>
-            <a:ext cx="10090429" cy="2790764"/>
+            <a:ext cx="10090429" cy="3483261"/>
           </a:xfrm>
           <a:prstGeom prst="rect">
             <a:avLst/>
@@ -4538,6 +4538,20 @@
               </a:lnSpc>
             </a:pPr>
             <a:r>
+              <a:rPr lang="en-US" sz="3000" dirty="0">
+                <a:hlinkClick r:id="rId3"/>
+              </a:rPr>
+              <a:t>https://feit-teaching.atlassian.net/wiki/home</a:t>
+            </a:r>
+            <a:endParaRPr lang="en-US" sz="3000" dirty="0"/>
+          </a:p>
+          <a:p>
+            <a:pPr>
+              <a:lnSpc>
+                <a:spcPct val="150000"/>
+              </a:lnSpc>
+            </a:pPr>
+            <a:r>
               <a:rPr lang="en-US" sz="3000" dirty="0"/>
               <a:t>GitHub – for project tracking and source code repository</a:t>
             </a:r>
@@ -4559,10 +4573,10 @@
           <p:nvPr/>
         </p:nvPicPr>
         <p:blipFill>
-          <a:blip r:embed="rId3">
+          <a:blip r:embed="rId4">
             <a:extLst>
               <a:ext uri="{96DAC541-7B7A-43D3-8B79-37D633B846F1}">
-                <asvg:svgBlip xmlns:asvg="http://schemas.microsoft.com/office/drawing/2016/SVG/main" r:embed="rId4"/>
+                <asvg:svgBlip xmlns:asvg="http://schemas.microsoft.com/office/drawing/2016/SVG/main" r:embed="rId5"/>
               </a:ext>
             </a:extLst>
           </a:blip>
@@ -4595,10 +4609,10 @@
           <p:nvPr/>
         </p:nvPicPr>
         <p:blipFill>
-          <a:blip r:embed="rId3">
+          <a:blip r:embed="rId4">
             <a:extLst>
               <a:ext uri="{96DAC541-7B7A-43D3-8B79-37D633B846F1}">
-                <asvg:svgBlip xmlns:asvg="http://schemas.microsoft.com/office/drawing/2016/SVG/main" r:embed="rId4"/>
+                <asvg:svgBlip xmlns:asvg="http://schemas.microsoft.com/office/drawing/2016/SVG/main" r:embed="rId5"/>
               </a:ext>
             </a:extLst>
           </a:blip>
@@ -4631,10 +4645,10 @@
           <p:nvPr/>
         </p:nvPicPr>
         <p:blipFill>
-          <a:blip r:embed="rId3">
+          <a:blip r:embed="rId4">
             <a:extLst>
               <a:ext uri="{96DAC541-7B7A-43D3-8B79-37D633B846F1}">
-                <asvg:svgBlip xmlns:asvg="http://schemas.microsoft.com/office/drawing/2016/SVG/main" r:embed="rId4"/>
+                <asvg:svgBlip xmlns:asvg="http://schemas.microsoft.com/office/drawing/2016/SVG/main" r:embed="rId5"/>
               </a:ext>
             </a:extLst>
           </a:blip>
@@ -4667,10 +4681,10 @@
           <p:nvPr/>
         </p:nvPicPr>
         <p:blipFill>
-          <a:blip r:embed="rId3">
+          <a:blip r:embed="rId4">
             <a:extLst>
               <a:ext uri="{96DAC541-7B7A-43D3-8B79-37D633B846F1}">
-                <asvg:svgBlip xmlns:asvg="http://schemas.microsoft.com/office/drawing/2016/SVG/main" r:embed="rId4"/>
+                <asvg:svgBlip xmlns:asvg="http://schemas.microsoft.com/office/drawing/2016/SVG/main" r:embed="rId5"/>
               </a:ext>
             </a:extLst>
           </a:blip>
@@ -4680,7 +4694,7 @@
         </p:blipFill>
         <p:spPr>
           <a:xfrm>
-            <a:off x="532903" y="4254062"/>
+            <a:off x="543413" y="4979277"/>
             <a:ext cx="914400" cy="914400"/>
           </a:xfrm>
           <a:prstGeom prst="rect">

--- a/Week2_2025_DB.pptx
+++ b/Week2_2025_DB.pptx
@@ -16,8 +16,8 @@
     <p:sldId id="276" r:id="rId7"/>
     <p:sldId id="282" r:id="rId8"/>
     <p:sldId id="298" r:id="rId9"/>
-    <p:sldId id="272" r:id="rId10"/>
-    <p:sldId id="300" r:id="rId11"/>
+    <p:sldId id="300" r:id="rId10"/>
+    <p:sldId id="272" r:id="rId11"/>
     <p:sldId id="283" r:id="rId12"/>
     <p:sldId id="289" r:id="rId13"/>
     <p:sldId id="267" r:id="rId14"/>
@@ -219,7 +219,7 @@
           <a:p>
             <a:fld id="{070B14E2-3B90-0245-BCD5-AD5E4308A9CB}" type="datetimeFigureOut">
               <a:rPr lang="en-US" smtClean="0"/>
-              <a:t>8/4/25</a:t>
+              <a:t>8/5/25</a:t>
             </a:fld>
             <a:endParaRPr lang="en-US"/>
           </a:p>
@@ -641,17 +641,8 @@
           <a:p>
             <a:r>
               <a:rPr lang="en-US" dirty="0"/>
-              <a:t>You will be building new software in this project.  It implies that you be very hands-on.  </a:t>
-            </a:r>
-          </a:p>
-          <a:p>
-            <a:r>
-              <a:rPr lang="en-US" dirty="0"/>
-              <a:t>Architecture is an abstracted view of the system, as a whole, how different building blocks connect to others.  It’s important that we design the architecture, before we start coding.  If we don’t have a good architecture, then you might be building a product that cannot be scaled, or is a real pain to be maintained.</a:t>
-            </a:r>
-          </a:p>
-          <a:p>
-            <a:endParaRPr lang="en-US" dirty="0"/>
+              <a:t>A few minutes within your own team.  Introduce yourself to each other.  1 thing you would most like to takeaway from this experience in 12 weeks time</a:t>
+            </a:r>
           </a:p>
         </p:txBody>
       </p:sp>
@@ -672,7 +663,7 @@
           <a:p>
             <a:fld id="{E382336C-00B0-2B40-9B70-26D1CE58CB82}" type="slidenum">
               <a:rPr lang="en-US" smtClean="0"/>
-              <a:t>5</a:t>
+              <a:t>4</a:t>
             </a:fld>
             <a:endParaRPr lang="en-US"/>
           </a:p>
@@ -681,7 +672,7 @@
     </p:spTree>
     <p:extLst>
       <p:ext uri="{BB962C8B-B14F-4D97-AF65-F5344CB8AC3E}">
-        <p14:creationId xmlns:p14="http://schemas.microsoft.com/office/powerpoint/2010/main" val="4291752155"/>
+        <p14:creationId xmlns:p14="http://schemas.microsoft.com/office/powerpoint/2010/main" val="1965956749"/>
       </p:ext>
     </p:extLst>
   </p:cSld>
@@ -737,8 +728,17 @@
           <a:p>
             <a:r>
               <a:rPr lang="en-US" dirty="0"/>
-              <a:t>We currently have 3 sets of requirements. But we only want 1 set to work from.</a:t>
-            </a:r>
+              <a:t>You will be building new software in this project.  It implies that you be very hands-on.  </a:t>
+            </a:r>
+          </a:p>
+          <a:p>
+            <a:r>
+              <a:rPr lang="en-US" dirty="0"/>
+              <a:t>Architecture is an abstracted view of the system, as a whole, how different building blocks connect to others.  It’s important that we design the architecture, before we start coding.  If we don’t have a good architecture, then you might be building a product that cannot be scaled, or is a real pain to be maintained.</a:t>
+            </a:r>
+          </a:p>
+          <a:p>
+            <a:endParaRPr lang="en-US" dirty="0"/>
           </a:p>
         </p:txBody>
       </p:sp>
@@ -759,6 +759,93 @@
           <a:p>
             <a:fld id="{E382336C-00B0-2B40-9B70-26D1CE58CB82}" type="slidenum">
               <a:rPr lang="en-US" smtClean="0"/>
+              <a:t>5</a:t>
+            </a:fld>
+            <a:endParaRPr lang="en-US"/>
+          </a:p>
+        </p:txBody>
+      </p:sp>
+    </p:spTree>
+    <p:extLst>
+      <p:ext uri="{BB962C8B-B14F-4D97-AF65-F5344CB8AC3E}">
+        <p14:creationId xmlns:p14="http://schemas.microsoft.com/office/powerpoint/2010/main" val="4291752155"/>
+      </p:ext>
+    </p:extLst>
+  </p:cSld>
+  <p:clrMapOvr>
+    <a:masterClrMapping/>
+  </p:clrMapOvr>
+</p:notes>
+</file>
+
+<file path=ppt/notesSlides/notesSlide4.xml><?xml version="1.0" encoding="utf-8"?>
+<p:notes xmlns:a="http://schemas.openxmlformats.org/drawingml/2006/main" xmlns:r="http://schemas.openxmlformats.org/officeDocument/2006/relationships" xmlns:p="http://schemas.openxmlformats.org/presentationml/2006/main">
+  <p:cSld>
+    <p:spTree>
+      <p:nvGrpSpPr>
+        <p:cNvPr id="1" name=""/>
+        <p:cNvGrpSpPr/>
+        <p:nvPr/>
+      </p:nvGrpSpPr>
+      <p:grpSpPr>
+        <a:xfrm>
+          <a:off x="0" y="0"/>
+          <a:ext cx="0" cy="0"/>
+          <a:chOff x="0" y="0"/>
+          <a:chExt cx="0" cy="0"/>
+        </a:xfrm>
+      </p:grpSpPr>
+      <p:sp>
+        <p:nvSpPr>
+          <p:cNvPr id="2" name="Slide Image Placeholder 1"/>
+          <p:cNvSpPr>
+            <a:spLocks noGrp="1" noRot="1" noChangeAspect="1"/>
+          </p:cNvSpPr>
+          <p:nvPr>
+            <p:ph type="sldImg"/>
+          </p:nvPr>
+        </p:nvSpPr>
+        <p:spPr/>
+      </p:sp>
+      <p:sp>
+        <p:nvSpPr>
+          <p:cNvPr id="3" name="Notes Placeholder 2"/>
+          <p:cNvSpPr>
+            <a:spLocks noGrp="1"/>
+          </p:cNvSpPr>
+          <p:nvPr>
+            <p:ph type="body" idx="1"/>
+          </p:nvPr>
+        </p:nvSpPr>
+        <p:spPr/>
+        <p:txBody>
+          <a:bodyPr/>
+          <a:lstStyle/>
+          <a:p>
+            <a:r>
+              <a:rPr lang="en-US" dirty="0"/>
+              <a:t>We currently have 3 sets of requirements. But we only want 1 set to work from.</a:t>
+            </a:r>
+          </a:p>
+        </p:txBody>
+      </p:sp>
+      <p:sp>
+        <p:nvSpPr>
+          <p:cNvPr id="4" name="Slide Number Placeholder 3"/>
+          <p:cNvSpPr>
+            <a:spLocks noGrp="1"/>
+          </p:cNvSpPr>
+          <p:nvPr>
+            <p:ph type="sldNum" sz="quarter" idx="5"/>
+          </p:nvPr>
+        </p:nvSpPr>
+        <p:spPr/>
+        <p:txBody>
+          <a:bodyPr/>
+          <a:lstStyle/>
+          <a:p>
+            <a:fld id="{E382336C-00B0-2B40-9B70-26D1CE58CB82}" type="slidenum">
+              <a:rPr lang="en-US" smtClean="0"/>
               <a:t>13</a:t>
             </a:fld>
             <a:endParaRPr lang="en-US"/>
@@ -778,7 +865,7 @@
 </p:notes>
 </file>
 
-<file path=ppt/notesSlides/notesSlide4.xml><?xml version="1.0" encoding="utf-8"?>
+<file path=ppt/notesSlides/notesSlide5.xml><?xml version="1.0" encoding="utf-8"?>
 <p:notes xmlns:a="http://schemas.openxmlformats.org/drawingml/2006/main" xmlns:r="http://schemas.openxmlformats.org/officeDocument/2006/relationships" xmlns:p="http://schemas.openxmlformats.org/presentationml/2006/main">
   <p:cSld>
     <p:spTree>
@@ -1022,7 +1109,7 @@
           <a:p>
             <a:fld id="{DF00E00D-8F91-7840-91CE-415033930ECB}" type="datetimeFigureOut">
               <a:rPr lang="en-US" smtClean="0"/>
-              <a:t>8/4/25</a:t>
+              <a:t>8/5/25</a:t>
             </a:fld>
             <a:endParaRPr lang="en-US"/>
           </a:p>
@@ -1222,7 +1309,7 @@
           <a:p>
             <a:fld id="{DF00E00D-8F91-7840-91CE-415033930ECB}" type="datetimeFigureOut">
               <a:rPr lang="en-US" smtClean="0"/>
-              <a:t>8/4/25</a:t>
+              <a:t>8/5/25</a:t>
             </a:fld>
             <a:endParaRPr lang="en-US"/>
           </a:p>
@@ -1432,7 +1519,7 @@
           <a:p>
             <a:fld id="{DF00E00D-8F91-7840-91CE-415033930ECB}" type="datetimeFigureOut">
               <a:rPr lang="en-US" smtClean="0"/>
-              <a:t>8/4/25</a:t>
+              <a:t>8/5/25</a:t>
             </a:fld>
             <a:endParaRPr lang="en-US"/>
           </a:p>
@@ -1632,7 +1719,7 @@
           <a:p>
             <a:fld id="{DF00E00D-8F91-7840-91CE-415033930ECB}" type="datetimeFigureOut">
               <a:rPr lang="en-US" smtClean="0"/>
-              <a:t>8/4/25</a:t>
+              <a:t>8/5/25</a:t>
             </a:fld>
             <a:endParaRPr lang="en-US"/>
           </a:p>
@@ -1908,7 +1995,7 @@
           <a:p>
             <a:fld id="{DF00E00D-8F91-7840-91CE-415033930ECB}" type="datetimeFigureOut">
               <a:rPr lang="en-US" smtClean="0"/>
-              <a:t>8/4/25</a:t>
+              <a:t>8/5/25</a:t>
             </a:fld>
             <a:endParaRPr lang="en-US"/>
           </a:p>
@@ -2176,7 +2263,7 @@
           <a:p>
             <a:fld id="{DF00E00D-8F91-7840-91CE-415033930ECB}" type="datetimeFigureOut">
               <a:rPr lang="en-US" smtClean="0"/>
-              <a:t>8/4/25</a:t>
+              <a:t>8/5/25</a:t>
             </a:fld>
             <a:endParaRPr lang="en-US"/>
           </a:p>
@@ -2591,7 +2678,7 @@
           <a:p>
             <a:fld id="{DF00E00D-8F91-7840-91CE-415033930ECB}" type="datetimeFigureOut">
               <a:rPr lang="en-US" smtClean="0"/>
-              <a:t>8/4/25</a:t>
+              <a:t>8/5/25</a:t>
             </a:fld>
             <a:endParaRPr lang="en-US"/>
           </a:p>
@@ -2733,7 +2820,7 @@
           <a:p>
             <a:fld id="{DF00E00D-8F91-7840-91CE-415033930ECB}" type="datetimeFigureOut">
               <a:rPr lang="en-US" smtClean="0"/>
-              <a:t>8/4/25</a:t>
+              <a:t>8/5/25</a:t>
             </a:fld>
             <a:endParaRPr lang="en-US"/>
           </a:p>
@@ -2846,7 +2933,7 @@
           <a:p>
             <a:fld id="{DF00E00D-8F91-7840-91CE-415033930ECB}" type="datetimeFigureOut">
               <a:rPr lang="en-US" smtClean="0"/>
-              <a:t>8/4/25</a:t>
+              <a:t>8/5/25</a:t>
             </a:fld>
             <a:endParaRPr lang="en-US"/>
           </a:p>
@@ -3159,7 +3246,7 @@
           <a:p>
             <a:fld id="{DF00E00D-8F91-7840-91CE-415033930ECB}" type="datetimeFigureOut">
               <a:rPr lang="en-US" smtClean="0"/>
-              <a:t>8/4/25</a:t>
+              <a:t>8/5/25</a:t>
             </a:fld>
             <a:endParaRPr lang="en-US"/>
           </a:p>
@@ -3448,7 +3535,7 @@
           <a:p>
             <a:fld id="{DF00E00D-8F91-7840-91CE-415033930ECB}" type="datetimeFigureOut">
               <a:rPr lang="en-US" smtClean="0"/>
-              <a:t>8/4/25</a:t>
+              <a:t>8/5/25</a:t>
             </a:fld>
             <a:endParaRPr lang="en-US"/>
           </a:p>
@@ -3691,7 +3778,7 @@
           <a:p>
             <a:fld id="{DF00E00D-8F91-7840-91CE-415033930ECB}" type="datetimeFigureOut">
               <a:rPr lang="en-US" smtClean="0"/>
-              <a:t>8/4/25</a:t>
+              <a:t>8/5/25</a:t>
             </a:fld>
             <a:endParaRPr lang="en-US"/>
           </a:p>
@@ -4371,13 +4458,7 @@
   <p:cSld>
     <p:spTree>
       <p:nvGrpSpPr>
-        <p:cNvPr id="1" name="">
-          <a:extLst>
-            <a:ext uri="{FF2B5EF4-FFF2-40B4-BE49-F238E27FC236}">
-              <a16:creationId xmlns:a16="http://schemas.microsoft.com/office/drawing/2014/main" id="{0E79CA4B-2F99-6FFA-0727-C12E57EB4D3C}"/>
-            </a:ext>
-          </a:extLst>
-        </p:cNvPr>
+        <p:cNvPr id="1" name=""/>
         <p:cNvGrpSpPr/>
         <p:nvPr/>
       </p:nvGrpSpPr>
@@ -4394,7 +4475,7 @@
           <p:cNvPr id="2" name="Title 1">
             <a:extLst>
               <a:ext uri="{FF2B5EF4-FFF2-40B4-BE49-F238E27FC236}">
-                <a16:creationId xmlns:a16="http://schemas.microsoft.com/office/drawing/2014/main" id="{62B6BBB7-7773-A629-4474-4DD3BC14C3E2}"/>
+                <a16:creationId xmlns:a16="http://schemas.microsoft.com/office/drawing/2014/main" id="{6C4F4239-C3D4-D5C6-4F22-131C74F61FDD}"/>
               </a:ext>
             </a:extLst>
           </p:cNvPr>
@@ -4407,8 +4488,8 @@
         </p:nvSpPr>
         <p:spPr>
           <a:xfrm>
-            <a:off x="2150077" y="522134"/>
-            <a:ext cx="5280738" cy="767304"/>
+            <a:off x="2150076" y="522134"/>
+            <a:ext cx="8048367" cy="767304"/>
           </a:xfrm>
         </p:spPr>
         <p:txBody>
@@ -4419,7 +4500,7 @@
           <a:p>
             <a:r>
               <a:rPr lang="en-US" sz="4400" dirty="0"/>
-              <a:t>Access to systems</a:t>
+              <a:t>Scrum Master vs Product Owner</a:t>
             </a:r>
           </a:p>
         </p:txBody>
@@ -4429,7 +4510,7 @@
           <p:cNvPr id="1026" name="Picture 2" descr="The University of Melbourne – Universities Australia">
             <a:extLst>
               <a:ext uri="{FF2B5EF4-FFF2-40B4-BE49-F238E27FC236}">
-                <a16:creationId xmlns:a16="http://schemas.microsoft.com/office/drawing/2014/main" id="{444B3814-7EBA-354A-6055-EF0B14203754}"/>
+                <a16:creationId xmlns:a16="http://schemas.microsoft.com/office/drawing/2014/main" id="{AC711272-44DF-5E11-193C-C375FC51205D}"/>
               </a:ext>
             </a:extLst>
           </p:cNvPr>
@@ -4473,10 +4554,10 @@
       </p:pic>
       <p:sp>
         <p:nvSpPr>
-          <p:cNvPr id="3" name="TextBox 2">
-            <a:extLst>
-              <a:ext uri="{FF2B5EF4-FFF2-40B4-BE49-F238E27FC236}">
-                <a16:creationId xmlns:a16="http://schemas.microsoft.com/office/drawing/2014/main" id="{ACAE1977-7148-6EAA-A133-7862F82F99F3}"/>
+          <p:cNvPr id="4" name="TextBox 3">
+            <a:extLst>
+              <a:ext uri="{FF2B5EF4-FFF2-40B4-BE49-F238E27FC236}">
+                <a16:creationId xmlns:a16="http://schemas.microsoft.com/office/drawing/2014/main" id="{80E8D277-662D-2BD8-88B9-F9C97B6DC09E}"/>
               </a:ext>
             </a:extLst>
           </p:cNvPr>
@@ -4485,8 +4566,8 @@
         </p:nvSpPr>
         <p:spPr>
           <a:xfrm>
-            <a:off x="1660137" y="2301016"/>
-            <a:ext cx="10090429" cy="3483261"/>
+            <a:off x="1000613" y="2762676"/>
+            <a:ext cx="5221926" cy="2031325"/>
           </a:xfrm>
           <a:prstGeom prst="rect">
             <a:avLst/>
@@ -4494,76 +4575,323 @@
           <a:noFill/>
         </p:spPr>
         <p:txBody>
-          <a:bodyPr wrap="square" rtlCol="0">
+          <a:bodyPr wrap="square">
             <a:spAutoFit/>
           </a:bodyPr>
           <a:lstStyle/>
           <a:p>
-            <a:pPr>
-              <a:lnSpc>
-                <a:spcPct val="150000"/>
-              </a:lnSpc>
+            <a:pPr marL="285750" indent="-285750">
+              <a:buFont typeface="Arial" panose="020B0604020202020204" pitchFamily="34" charset="0"/>
+              <a:buChar char="•"/>
             </a:pPr>
             <a:r>
-              <a:rPr lang="en-US" sz="3000" dirty="0"/>
-              <a:t>Canvas LMS – have you managed to access the 90009 Zip files</a:t>
-            </a:r>
-          </a:p>
-          <a:p>
-            <a:pPr>
-              <a:lnSpc>
-                <a:spcPct val="150000"/>
-              </a:lnSpc>
+              <a:rPr lang="en-US" dirty="0" err="1"/>
+              <a:t>Organise</a:t>
+            </a:r>
+            <a:r>
+              <a:rPr lang="en-US" dirty="0"/>
+              <a:t> meetings</a:t>
+            </a:r>
+          </a:p>
+          <a:p>
+            <a:pPr marL="285750" indent="-285750">
+              <a:buFont typeface="Arial" panose="020B0604020202020204" pitchFamily="34" charset="0"/>
+              <a:buChar char="•"/>
             </a:pPr>
             <a:r>
-              <a:rPr lang="en-US" sz="3000" dirty="0"/>
-              <a:t>Slack – communication between team members (and Mentor)</a:t>
-            </a:r>
-          </a:p>
-          <a:p>
-            <a:pPr>
-              <a:lnSpc>
-                <a:spcPct val="150000"/>
-              </a:lnSpc>
+              <a:rPr lang="en-US" dirty="0"/>
+              <a:t>Maintain the team’s kanban</a:t>
+            </a:r>
+          </a:p>
+          <a:p>
+            <a:pPr marL="285750" indent="-285750">
+              <a:buFont typeface="Arial" panose="020B0604020202020204" pitchFamily="34" charset="0"/>
+              <a:buChar char="•"/>
             </a:pPr>
             <a:r>
-              <a:rPr lang="en-US" sz="3000" dirty="0"/>
-              <a:t>Confluence – your team documentation resource</a:t>
-            </a:r>
-          </a:p>
-          <a:p>
-            <a:pPr>
-              <a:lnSpc>
-                <a:spcPct val="150000"/>
-              </a:lnSpc>
+              <a:rPr lang="en-US" dirty="0"/>
+              <a:t>Reports progress</a:t>
+            </a:r>
+          </a:p>
+          <a:p>
+            <a:pPr marL="285750" indent="-285750">
+              <a:buFont typeface="Arial" panose="020B0604020202020204" pitchFamily="34" charset="0"/>
+              <a:buChar char="•"/>
             </a:pPr>
             <a:r>
-              <a:rPr lang="en-US" sz="3000" dirty="0">
-                <a:hlinkClick r:id="rId3"/>
+              <a:rPr lang="en-US" dirty="0"/>
+              <a:t>Manage any issues or problems within the team</a:t>
+            </a:r>
+          </a:p>
+          <a:p>
+            <a:pPr marL="285750" indent="-285750">
+              <a:buFont typeface="Arial" panose="020B0604020202020204" pitchFamily="34" charset="0"/>
+              <a:buChar char="•"/>
+            </a:pPr>
+            <a:r>
+              <a:rPr lang="en-US" dirty="0"/>
+              <a:t>Monitors the workload of team members</a:t>
+            </a:r>
+          </a:p>
+          <a:p>
+            <a:pPr marL="285750" indent="-285750">
+              <a:buFont typeface="Arial" panose="020B0604020202020204" pitchFamily="34" charset="0"/>
+              <a:buChar char="•"/>
+            </a:pPr>
+            <a:r>
+              <a:rPr lang="en-US" dirty="0"/>
+              <a:t>Looks out for risks to team delivery and seeks to mitigate them</a:t>
+            </a:r>
+          </a:p>
+        </p:txBody>
+      </p:sp>
+      <p:sp>
+        <p:nvSpPr>
+          <p:cNvPr id="5" name="TextBox 4">
+            <a:extLst>
+              <a:ext uri="{FF2B5EF4-FFF2-40B4-BE49-F238E27FC236}">
+                <a16:creationId xmlns:a16="http://schemas.microsoft.com/office/drawing/2014/main" id="{078710EE-DE0E-AFBA-EDA7-5615D3BAA771}"/>
+              </a:ext>
+            </a:extLst>
+          </p:cNvPr>
+          <p:cNvSpPr txBox="1"/>
+          <p:nvPr/>
+        </p:nvSpPr>
+        <p:spPr>
+          <a:xfrm>
+            <a:off x="6921805" y="2695328"/>
+            <a:ext cx="5038967" cy="2031325"/>
+          </a:xfrm>
+          <a:prstGeom prst="rect">
+            <a:avLst/>
+          </a:prstGeom>
+          <a:noFill/>
+        </p:spPr>
+        <p:txBody>
+          <a:bodyPr wrap="square">
+            <a:spAutoFit/>
+          </a:bodyPr>
+          <a:lstStyle/>
+          <a:p>
+            <a:pPr marL="285750" indent="-285750">
+              <a:buFont typeface="Arial" panose="020B0604020202020204" pitchFamily="34" charset="0"/>
+              <a:buChar char="•"/>
+            </a:pPr>
+            <a:r>
+              <a:rPr lang="en-US" dirty="0"/>
+              <a:t>Understands and can explain the client’s intentions</a:t>
+            </a:r>
+          </a:p>
+          <a:p>
+            <a:pPr marL="285750" indent="-285750">
+              <a:buFont typeface="Arial" panose="020B0604020202020204" pitchFamily="34" charset="0"/>
+              <a:buChar char="•"/>
+            </a:pPr>
+            <a:r>
+              <a:rPr lang="en-US" dirty="0"/>
+              <a:t>Knows the product better than anyone!</a:t>
+            </a:r>
+          </a:p>
+          <a:p>
+            <a:pPr marL="285750" indent="-285750">
+              <a:buFont typeface="Arial" panose="020B0604020202020204" pitchFamily="34" charset="0"/>
+              <a:buChar char="•"/>
+            </a:pPr>
+            <a:r>
+              <a:rPr lang="en-US" dirty="0"/>
+              <a:t>Keeps the client informed at all stages</a:t>
+            </a:r>
+          </a:p>
+          <a:p>
+            <a:pPr marL="285750" indent="-285750">
+              <a:buFont typeface="Arial" panose="020B0604020202020204" pitchFamily="34" charset="0"/>
+              <a:buChar char="•"/>
+            </a:pPr>
+            <a:r>
+              <a:rPr lang="en-US" dirty="0"/>
+              <a:t>Starts the Sprint Review/Showcase meeting</a:t>
+            </a:r>
+          </a:p>
+          <a:p>
+            <a:pPr marL="285750" indent="-285750">
+              <a:buFont typeface="Arial" panose="020B0604020202020204" pitchFamily="34" charset="0"/>
+              <a:buChar char="•"/>
+            </a:pPr>
+            <a:r>
+              <a:rPr lang="en-US" dirty="0"/>
+              <a:t>Set the team goals and objectives for each sprint</a:t>
+            </a:r>
+          </a:p>
+          <a:p>
+            <a:pPr marL="285750" indent="-285750">
+              <a:buFont typeface="Arial" panose="020B0604020202020204" pitchFamily="34" charset="0"/>
+              <a:buChar char="•"/>
+            </a:pPr>
+            <a:r>
+              <a:rPr lang="en-US" dirty="0"/>
+              <a:t>Communicates clearly with confidence</a:t>
+            </a:r>
+          </a:p>
+        </p:txBody>
+      </p:sp>
+      <p:sp>
+        <p:nvSpPr>
+          <p:cNvPr id="6" name="TextBox 5">
+            <a:extLst>
+              <a:ext uri="{FF2B5EF4-FFF2-40B4-BE49-F238E27FC236}">
+                <a16:creationId xmlns:a16="http://schemas.microsoft.com/office/drawing/2014/main" id="{1C376CB5-A465-1B44-877C-42162000E7F0}"/>
+              </a:ext>
+            </a:extLst>
+          </p:cNvPr>
+          <p:cNvSpPr txBox="1"/>
+          <p:nvPr/>
+        </p:nvSpPr>
+        <p:spPr>
+          <a:xfrm>
+            <a:off x="1186249" y="2026643"/>
+            <a:ext cx="2220608" cy="523220"/>
+          </a:xfrm>
+          <a:prstGeom prst="rect">
+            <a:avLst/>
+          </a:prstGeom>
+          <a:noFill/>
+        </p:spPr>
+        <p:txBody>
+          <a:bodyPr wrap="none" rtlCol="0">
+            <a:spAutoFit/>
+          </a:bodyPr>
+          <a:lstStyle/>
+          <a:p>
+            <a:r>
+              <a:rPr lang="en-US" sz="2800" dirty="0"/>
+              <a:t>Scrum Master</a:t>
+            </a:r>
+          </a:p>
+        </p:txBody>
+      </p:sp>
+      <p:sp>
+        <p:nvSpPr>
+          <p:cNvPr id="7" name="TextBox 6">
+            <a:extLst>
+              <a:ext uri="{FF2B5EF4-FFF2-40B4-BE49-F238E27FC236}">
+                <a16:creationId xmlns:a16="http://schemas.microsoft.com/office/drawing/2014/main" id="{403F1BF5-AC56-C5C2-A677-A26C6A1AA486}"/>
+              </a:ext>
+            </a:extLst>
+          </p:cNvPr>
+          <p:cNvSpPr txBox="1"/>
+          <p:nvPr/>
+        </p:nvSpPr>
+        <p:spPr>
+          <a:xfrm>
+            <a:off x="7051590" y="2026643"/>
+            <a:ext cx="2397451" cy="523220"/>
+          </a:xfrm>
+          <a:prstGeom prst="rect">
+            <a:avLst/>
+          </a:prstGeom>
+          <a:noFill/>
+        </p:spPr>
+        <p:txBody>
+          <a:bodyPr wrap="none" rtlCol="0">
+            <a:spAutoFit/>
+          </a:bodyPr>
+          <a:lstStyle/>
+          <a:p>
+            <a:r>
+              <a:rPr lang="en-US" sz="2800" dirty="0"/>
+              <a:t>Product Owner</a:t>
+            </a:r>
+          </a:p>
+        </p:txBody>
+      </p:sp>
+      <p:sp>
+        <p:nvSpPr>
+          <p:cNvPr id="8" name="TextBox 7">
+            <a:extLst>
+              <a:ext uri="{FF2B5EF4-FFF2-40B4-BE49-F238E27FC236}">
+                <a16:creationId xmlns:a16="http://schemas.microsoft.com/office/drawing/2014/main" id="{FE67DB4B-EE1D-2FBD-3A53-4DFC9F620B03}"/>
+              </a:ext>
+            </a:extLst>
+          </p:cNvPr>
+          <p:cNvSpPr txBox="1"/>
+          <p:nvPr/>
+        </p:nvSpPr>
+        <p:spPr>
+          <a:xfrm>
+            <a:off x="2171097" y="5404173"/>
+            <a:ext cx="2651303" cy="523220"/>
+          </a:xfrm>
+          <a:prstGeom prst="rect">
+            <a:avLst/>
+          </a:prstGeom>
+          <a:noFill/>
+        </p:spPr>
+        <p:txBody>
+          <a:bodyPr wrap="none" rtlCol="0">
+            <a:spAutoFit/>
+          </a:bodyPr>
+          <a:lstStyle/>
+          <a:p>
+            <a:r>
+              <a:rPr lang="en-US" sz="2800" dirty="0">
+                <a:solidFill>
+                  <a:schemeClr val="accent2">
+                    <a:lumMod val="75000"/>
+                  </a:schemeClr>
+                </a:solidFill>
               </a:rPr>
-              <a:t>https://feit-teaching.atlassian.net/wiki/home</a:t>
-            </a:r>
-            <a:endParaRPr lang="en-US" sz="3000" dirty="0"/>
-          </a:p>
-          <a:p>
-            <a:pPr>
-              <a:lnSpc>
-                <a:spcPct val="150000"/>
-              </a:lnSpc>
-            </a:pPr>
-            <a:r>
-              <a:rPr lang="en-US" sz="3000" dirty="0"/>
-              <a:t>GitHub – for project tracking and source code repository</a:t>
+              <a:t>Super organized!</a:t>
+            </a:r>
+          </a:p>
+        </p:txBody>
+      </p:sp>
+      <p:sp>
+        <p:nvSpPr>
+          <p:cNvPr id="9" name="TextBox 8">
+            <a:extLst>
+              <a:ext uri="{FF2B5EF4-FFF2-40B4-BE49-F238E27FC236}">
+                <a16:creationId xmlns:a16="http://schemas.microsoft.com/office/drawing/2014/main" id="{B1EB28B1-4220-21C1-BFC5-B8E50B6F8250}"/>
+              </a:ext>
+            </a:extLst>
+          </p:cNvPr>
+          <p:cNvSpPr txBox="1"/>
+          <p:nvPr/>
+        </p:nvSpPr>
+        <p:spPr>
+          <a:xfrm>
+            <a:off x="7623418" y="5433257"/>
+            <a:ext cx="3350661" cy="523220"/>
+          </a:xfrm>
+          <a:prstGeom prst="rect">
+            <a:avLst/>
+          </a:prstGeom>
+          <a:noFill/>
+        </p:spPr>
+        <p:txBody>
+          <a:bodyPr wrap="none" rtlCol="0">
+            <a:spAutoFit/>
+          </a:bodyPr>
+          <a:lstStyle/>
+          <a:p>
+            <a:r>
+              <a:rPr lang="en-US" sz="2800" dirty="0">
+                <a:solidFill>
+                  <a:schemeClr val="accent6">
+                    <a:lumMod val="75000"/>
+                  </a:schemeClr>
+                </a:solidFill>
+              </a:rPr>
+              <a:t>Super communicator!</a:t>
             </a:r>
           </a:p>
         </p:txBody>
       </p:sp>
       <p:pic>
         <p:nvPicPr>
-          <p:cNvPr id="13" name="Graphic 12" descr="Checkbox Ticked with solid fill">
-            <a:extLst>
-              <a:ext uri="{FF2B5EF4-FFF2-40B4-BE49-F238E27FC236}">
-                <a16:creationId xmlns:a16="http://schemas.microsoft.com/office/drawing/2014/main" id="{2A59BC5C-04AC-97F0-A6C4-1BEF8460B247}"/>
+          <p:cNvPr id="11" name="Picture 10" descr="A black background with a black square&#10;&#10;Description automatically generated with medium confidence">
+            <a:extLst>
+              <a:ext uri="{FF2B5EF4-FFF2-40B4-BE49-F238E27FC236}">
+                <a16:creationId xmlns:a16="http://schemas.microsoft.com/office/drawing/2014/main" id="{29F237AF-5EC5-4997-691D-546B39F5EF9A}"/>
               </a:ext>
             </a:extLst>
           </p:cNvPr>
@@ -4573,12 +4901,14 @@
           <p:nvPr/>
         </p:nvPicPr>
         <p:blipFill>
-          <a:blip r:embed="rId4">
-            <a:extLst>
-              <a:ext uri="{96DAC541-7B7A-43D3-8B79-37D633B846F1}">
-                <asvg:svgBlip xmlns:asvg="http://schemas.microsoft.com/office/drawing/2016/SVG/main" r:embed="rId5"/>
-              </a:ext>
-            </a:extLst>
+          <a:blip r:embed="rId3">
+            <a:duotone>
+              <a:schemeClr val="accent2">
+                <a:shade val="45000"/>
+                <a:satMod val="135000"/>
+              </a:schemeClr>
+              <a:prstClr val="white"/>
+            </a:duotone>
           </a:blip>
           <a:stretch>
             <a:fillRect/>
@@ -4586,8 +4916,8 @@
         </p:blipFill>
         <p:spPr>
           <a:xfrm>
-            <a:off x="543413" y="2225565"/>
-            <a:ext cx="914400" cy="914400"/>
+            <a:off x="1259963" y="5289607"/>
+            <a:ext cx="842389" cy="842389"/>
           </a:xfrm>
           <a:prstGeom prst="rect">
             <a:avLst/>
@@ -4596,10 +4926,10 @@
       </p:pic>
       <p:pic>
         <p:nvPicPr>
-          <p:cNvPr id="14" name="Graphic 13" descr="Checkbox Ticked with solid fill">
-            <a:extLst>
-              <a:ext uri="{FF2B5EF4-FFF2-40B4-BE49-F238E27FC236}">
-                <a16:creationId xmlns:a16="http://schemas.microsoft.com/office/drawing/2014/main" id="{B5AD9217-B037-02E9-4F4E-A49D5428B0E4}"/>
+          <p:cNvPr id="12" name="Picture 11" descr="A black background with a black square&#10;&#10;Description automatically generated with medium confidence">
+            <a:extLst>
+              <a:ext uri="{FF2B5EF4-FFF2-40B4-BE49-F238E27FC236}">
+                <a16:creationId xmlns:a16="http://schemas.microsoft.com/office/drawing/2014/main" id="{2F827F40-1879-8283-CC19-75DBD0495287}"/>
               </a:ext>
             </a:extLst>
           </p:cNvPr>
@@ -4609,12 +4939,14 @@
           <p:nvPr/>
         </p:nvPicPr>
         <p:blipFill>
-          <a:blip r:embed="rId4">
-            <a:extLst>
-              <a:ext uri="{96DAC541-7B7A-43D3-8B79-37D633B846F1}">
-                <asvg:svgBlip xmlns:asvg="http://schemas.microsoft.com/office/drawing/2016/SVG/main" r:embed="rId5"/>
-              </a:ext>
-            </a:extLst>
+          <a:blip r:embed="rId3">
+            <a:duotone>
+              <a:schemeClr val="accent6">
+                <a:shade val="45000"/>
+                <a:satMod val="135000"/>
+              </a:schemeClr>
+              <a:prstClr val="white"/>
+            </a:duotone>
           </a:blip>
           <a:stretch>
             <a:fillRect/>
@@ -4622,80 +4954,8 @@
         </p:blipFill>
         <p:spPr>
           <a:xfrm>
-            <a:off x="543413" y="2919248"/>
-            <a:ext cx="914400" cy="914400"/>
-          </a:xfrm>
-          <a:prstGeom prst="rect">
-            <a:avLst/>
-          </a:prstGeom>
-        </p:spPr>
-      </p:pic>
-      <p:pic>
-        <p:nvPicPr>
-          <p:cNvPr id="15" name="Graphic 14" descr="Checkbox Ticked with solid fill">
-            <a:extLst>
-              <a:ext uri="{FF2B5EF4-FFF2-40B4-BE49-F238E27FC236}">
-                <a16:creationId xmlns:a16="http://schemas.microsoft.com/office/drawing/2014/main" id="{0532A13A-45EC-82E8-B83F-FE980EE2C49D}"/>
-              </a:ext>
-            </a:extLst>
-          </p:cNvPr>
-          <p:cNvPicPr>
-            <a:picLocks noChangeAspect="1"/>
-          </p:cNvPicPr>
-          <p:nvPr/>
-        </p:nvPicPr>
-        <p:blipFill>
-          <a:blip r:embed="rId4">
-            <a:extLst>
-              <a:ext uri="{96DAC541-7B7A-43D3-8B79-37D633B846F1}">
-                <asvg:svgBlip xmlns:asvg="http://schemas.microsoft.com/office/drawing/2016/SVG/main" r:embed="rId5"/>
-              </a:ext>
-            </a:extLst>
-          </a:blip>
-          <a:stretch>
-            <a:fillRect/>
-          </a:stretch>
-        </p:blipFill>
-        <p:spPr>
-          <a:xfrm>
-            <a:off x="532903" y="3602421"/>
-            <a:ext cx="914400" cy="914400"/>
-          </a:xfrm>
-          <a:prstGeom prst="rect">
-            <a:avLst/>
-          </a:prstGeom>
-        </p:spPr>
-      </p:pic>
-      <p:pic>
-        <p:nvPicPr>
-          <p:cNvPr id="16" name="Graphic 15" descr="Checkbox Ticked with solid fill">
-            <a:extLst>
-              <a:ext uri="{FF2B5EF4-FFF2-40B4-BE49-F238E27FC236}">
-                <a16:creationId xmlns:a16="http://schemas.microsoft.com/office/drawing/2014/main" id="{F332924A-A0F1-D49C-D8F9-32B6EED747DA}"/>
-              </a:ext>
-            </a:extLst>
-          </p:cNvPr>
-          <p:cNvPicPr>
-            <a:picLocks noChangeAspect="1"/>
-          </p:cNvPicPr>
-          <p:nvPr/>
-        </p:nvPicPr>
-        <p:blipFill>
-          <a:blip r:embed="rId4">
-            <a:extLst>
-              <a:ext uri="{96DAC541-7B7A-43D3-8B79-37D633B846F1}">
-                <asvg:svgBlip xmlns:asvg="http://schemas.microsoft.com/office/drawing/2016/SVG/main" r:embed="rId5"/>
-              </a:ext>
-            </a:extLst>
-          </a:blip>
-          <a:stretch>
-            <a:fillRect/>
-          </a:stretch>
-        </p:blipFill>
-        <p:spPr>
-          <a:xfrm>
-            <a:off x="543413" y="4979277"/>
-            <a:ext cx="914400" cy="914400"/>
+            <a:off x="6781029" y="5289607"/>
+            <a:ext cx="842389" cy="842389"/>
           </a:xfrm>
           <a:prstGeom prst="rect">
             <a:avLst/>
@@ -4705,13 +4965,657 @@
     </p:spTree>
     <p:extLst>
       <p:ext uri="{BB962C8B-B14F-4D97-AF65-F5344CB8AC3E}">
-        <p14:creationId xmlns:p14="http://schemas.microsoft.com/office/powerpoint/2010/main" val="3760783290"/>
+        <p14:creationId xmlns:p14="http://schemas.microsoft.com/office/powerpoint/2010/main" val="2211483041"/>
       </p:ext>
     </p:extLst>
   </p:cSld>
   <p:clrMapOvr>
     <a:masterClrMapping/>
   </p:clrMapOvr>
+  <p:timing>
+    <p:tnLst>
+      <p:par>
+        <p:cTn id="1" dur="indefinite" restart="never" nodeType="tmRoot">
+          <p:childTnLst>
+            <p:seq concurrent="1" nextAc="seek">
+              <p:cTn id="2" dur="indefinite" nodeType="mainSeq">
+                <p:childTnLst>
+                  <p:par>
+                    <p:cTn id="3" fill="hold">
+                      <p:stCondLst>
+                        <p:cond delay="indefinite"/>
+                      </p:stCondLst>
+                      <p:childTnLst>
+                        <p:par>
+                          <p:cTn id="4" fill="hold">
+                            <p:stCondLst>
+                              <p:cond delay="0"/>
+                            </p:stCondLst>
+                            <p:childTnLst>
+                              <p:par>
+                                <p:cTn id="5" presetID="1" presetClass="entr" presetSubtype="0" fill="hold" grpId="0" nodeType="clickEffect">
+                                  <p:stCondLst>
+                                    <p:cond delay="0"/>
+                                  </p:stCondLst>
+                                  <p:childTnLst>
+                                    <p:set>
+                                      <p:cBhvr>
+                                        <p:cTn id="6" dur="1" fill="hold">
+                                          <p:stCondLst>
+                                            <p:cond delay="0"/>
+                                          </p:stCondLst>
+                                        </p:cTn>
+                                        <p:tgtEl>
+                                          <p:spTgt spid="6"/>
+                                        </p:tgtEl>
+                                        <p:attrNameLst>
+                                          <p:attrName>style.visibility</p:attrName>
+                                        </p:attrNameLst>
+                                      </p:cBhvr>
+                                      <p:to>
+                                        <p:strVal val="visible"/>
+                                      </p:to>
+                                    </p:set>
+                                  </p:childTnLst>
+                                </p:cTn>
+                              </p:par>
+                              <p:par>
+                                <p:cTn id="7" presetID="1" presetClass="entr" presetSubtype="0" fill="hold" grpId="0" nodeType="withEffect">
+                                  <p:stCondLst>
+                                    <p:cond delay="0"/>
+                                  </p:stCondLst>
+                                  <p:childTnLst>
+                                    <p:set>
+                                      <p:cBhvr>
+                                        <p:cTn id="8" dur="1" fill="hold">
+                                          <p:stCondLst>
+                                            <p:cond delay="0"/>
+                                          </p:stCondLst>
+                                        </p:cTn>
+                                        <p:tgtEl>
+                                          <p:spTgt spid="4">
+                                            <p:txEl>
+                                              <p:pRg st="0" end="0"/>
+                                            </p:txEl>
+                                          </p:spTgt>
+                                        </p:tgtEl>
+                                        <p:attrNameLst>
+                                          <p:attrName>style.visibility</p:attrName>
+                                        </p:attrNameLst>
+                                      </p:cBhvr>
+                                      <p:to>
+                                        <p:strVal val="visible"/>
+                                      </p:to>
+                                    </p:set>
+                                  </p:childTnLst>
+                                </p:cTn>
+                              </p:par>
+                              <p:par>
+                                <p:cTn id="9" presetID="1" presetClass="entr" presetSubtype="0" fill="hold" grpId="0" nodeType="withEffect">
+                                  <p:stCondLst>
+                                    <p:cond delay="0"/>
+                                  </p:stCondLst>
+                                  <p:childTnLst>
+                                    <p:set>
+                                      <p:cBhvr>
+                                        <p:cTn id="10" dur="1" fill="hold">
+                                          <p:stCondLst>
+                                            <p:cond delay="0"/>
+                                          </p:stCondLst>
+                                        </p:cTn>
+                                        <p:tgtEl>
+                                          <p:spTgt spid="4">
+                                            <p:txEl>
+                                              <p:pRg st="1" end="1"/>
+                                            </p:txEl>
+                                          </p:spTgt>
+                                        </p:tgtEl>
+                                        <p:attrNameLst>
+                                          <p:attrName>style.visibility</p:attrName>
+                                        </p:attrNameLst>
+                                      </p:cBhvr>
+                                      <p:to>
+                                        <p:strVal val="visible"/>
+                                      </p:to>
+                                    </p:set>
+                                  </p:childTnLst>
+                                </p:cTn>
+                              </p:par>
+                              <p:par>
+                                <p:cTn id="11" presetID="1" presetClass="entr" presetSubtype="0" fill="hold" grpId="0" nodeType="withEffect">
+                                  <p:stCondLst>
+                                    <p:cond delay="0"/>
+                                  </p:stCondLst>
+                                  <p:childTnLst>
+                                    <p:set>
+                                      <p:cBhvr>
+                                        <p:cTn id="12" dur="1" fill="hold">
+                                          <p:stCondLst>
+                                            <p:cond delay="0"/>
+                                          </p:stCondLst>
+                                        </p:cTn>
+                                        <p:tgtEl>
+                                          <p:spTgt spid="4">
+                                            <p:txEl>
+                                              <p:pRg st="2" end="2"/>
+                                            </p:txEl>
+                                          </p:spTgt>
+                                        </p:tgtEl>
+                                        <p:attrNameLst>
+                                          <p:attrName>style.visibility</p:attrName>
+                                        </p:attrNameLst>
+                                      </p:cBhvr>
+                                      <p:to>
+                                        <p:strVal val="visible"/>
+                                      </p:to>
+                                    </p:set>
+                                  </p:childTnLst>
+                                </p:cTn>
+                              </p:par>
+                              <p:par>
+                                <p:cTn id="13" presetID="1" presetClass="entr" presetSubtype="0" fill="hold" grpId="0" nodeType="withEffect">
+                                  <p:stCondLst>
+                                    <p:cond delay="0"/>
+                                  </p:stCondLst>
+                                  <p:childTnLst>
+                                    <p:set>
+                                      <p:cBhvr>
+                                        <p:cTn id="14" dur="1" fill="hold">
+                                          <p:stCondLst>
+                                            <p:cond delay="0"/>
+                                          </p:stCondLst>
+                                        </p:cTn>
+                                        <p:tgtEl>
+                                          <p:spTgt spid="4">
+                                            <p:txEl>
+                                              <p:pRg st="3" end="3"/>
+                                            </p:txEl>
+                                          </p:spTgt>
+                                        </p:tgtEl>
+                                        <p:attrNameLst>
+                                          <p:attrName>style.visibility</p:attrName>
+                                        </p:attrNameLst>
+                                      </p:cBhvr>
+                                      <p:to>
+                                        <p:strVal val="visible"/>
+                                      </p:to>
+                                    </p:set>
+                                  </p:childTnLst>
+                                </p:cTn>
+                              </p:par>
+                              <p:par>
+                                <p:cTn id="15" presetID="1" presetClass="entr" presetSubtype="0" fill="hold" grpId="0" nodeType="withEffect">
+                                  <p:stCondLst>
+                                    <p:cond delay="0"/>
+                                  </p:stCondLst>
+                                  <p:childTnLst>
+                                    <p:set>
+                                      <p:cBhvr>
+                                        <p:cTn id="16" dur="1" fill="hold">
+                                          <p:stCondLst>
+                                            <p:cond delay="0"/>
+                                          </p:stCondLst>
+                                        </p:cTn>
+                                        <p:tgtEl>
+                                          <p:spTgt spid="4">
+                                            <p:txEl>
+                                              <p:pRg st="4" end="4"/>
+                                            </p:txEl>
+                                          </p:spTgt>
+                                        </p:tgtEl>
+                                        <p:attrNameLst>
+                                          <p:attrName>style.visibility</p:attrName>
+                                        </p:attrNameLst>
+                                      </p:cBhvr>
+                                      <p:to>
+                                        <p:strVal val="visible"/>
+                                      </p:to>
+                                    </p:set>
+                                  </p:childTnLst>
+                                </p:cTn>
+                              </p:par>
+                              <p:par>
+                                <p:cTn id="17" presetID="1" presetClass="entr" presetSubtype="0" fill="hold" grpId="0" nodeType="withEffect">
+                                  <p:stCondLst>
+                                    <p:cond delay="0"/>
+                                  </p:stCondLst>
+                                  <p:childTnLst>
+                                    <p:set>
+                                      <p:cBhvr>
+                                        <p:cTn id="18" dur="1" fill="hold">
+                                          <p:stCondLst>
+                                            <p:cond delay="0"/>
+                                          </p:stCondLst>
+                                        </p:cTn>
+                                        <p:tgtEl>
+                                          <p:spTgt spid="4">
+                                            <p:txEl>
+                                              <p:pRg st="5" end="5"/>
+                                            </p:txEl>
+                                          </p:spTgt>
+                                        </p:tgtEl>
+                                        <p:attrNameLst>
+                                          <p:attrName>style.visibility</p:attrName>
+                                        </p:attrNameLst>
+                                      </p:cBhvr>
+                                      <p:to>
+                                        <p:strVal val="visible"/>
+                                      </p:to>
+                                    </p:set>
+                                  </p:childTnLst>
+                                </p:cTn>
+                              </p:par>
+                            </p:childTnLst>
+                          </p:cTn>
+                        </p:par>
+                      </p:childTnLst>
+                    </p:cTn>
+                  </p:par>
+                  <p:par>
+                    <p:cTn id="19" fill="hold">
+                      <p:stCondLst>
+                        <p:cond delay="indefinite"/>
+                      </p:stCondLst>
+                      <p:childTnLst>
+                        <p:par>
+                          <p:cTn id="20" fill="hold">
+                            <p:stCondLst>
+                              <p:cond delay="0"/>
+                            </p:stCondLst>
+                            <p:childTnLst>
+                              <p:par>
+                                <p:cTn id="21" presetID="1" presetClass="entr" presetSubtype="0" fill="hold" nodeType="clickEffect">
+                                  <p:stCondLst>
+                                    <p:cond delay="0"/>
+                                  </p:stCondLst>
+                                  <p:childTnLst>
+                                    <p:set>
+                                      <p:cBhvr>
+                                        <p:cTn id="22" dur="1" fill="hold">
+                                          <p:stCondLst>
+                                            <p:cond delay="0"/>
+                                          </p:stCondLst>
+                                        </p:cTn>
+                                        <p:tgtEl>
+                                          <p:spTgt spid="11"/>
+                                        </p:tgtEl>
+                                        <p:attrNameLst>
+                                          <p:attrName>style.visibility</p:attrName>
+                                        </p:attrNameLst>
+                                      </p:cBhvr>
+                                      <p:to>
+                                        <p:strVal val="visible"/>
+                                      </p:to>
+                                    </p:set>
+                                  </p:childTnLst>
+                                </p:cTn>
+                              </p:par>
+                              <p:par>
+                                <p:cTn id="23" presetID="1" presetClass="entr" presetSubtype="0" fill="hold" grpId="0" nodeType="withEffect">
+                                  <p:stCondLst>
+                                    <p:cond delay="0"/>
+                                  </p:stCondLst>
+                                  <p:childTnLst>
+                                    <p:set>
+                                      <p:cBhvr>
+                                        <p:cTn id="24" dur="1" fill="hold">
+                                          <p:stCondLst>
+                                            <p:cond delay="0"/>
+                                          </p:stCondLst>
+                                        </p:cTn>
+                                        <p:tgtEl>
+                                          <p:spTgt spid="8"/>
+                                        </p:tgtEl>
+                                        <p:attrNameLst>
+                                          <p:attrName>style.visibility</p:attrName>
+                                        </p:attrNameLst>
+                                      </p:cBhvr>
+                                      <p:to>
+                                        <p:strVal val="visible"/>
+                                      </p:to>
+                                    </p:set>
+                                  </p:childTnLst>
+                                </p:cTn>
+                              </p:par>
+                            </p:childTnLst>
+                          </p:cTn>
+                        </p:par>
+                      </p:childTnLst>
+                    </p:cTn>
+                  </p:par>
+                  <p:par>
+                    <p:cTn id="25" fill="hold">
+                      <p:stCondLst>
+                        <p:cond delay="indefinite"/>
+                      </p:stCondLst>
+                      <p:childTnLst>
+                        <p:par>
+                          <p:cTn id="26" fill="hold">
+                            <p:stCondLst>
+                              <p:cond delay="0"/>
+                            </p:stCondLst>
+                            <p:childTnLst>
+                              <p:par>
+                                <p:cTn id="27" presetID="1" presetClass="entr" presetSubtype="0" fill="hold" grpId="0" nodeType="clickEffect">
+                                  <p:stCondLst>
+                                    <p:cond delay="0"/>
+                                  </p:stCondLst>
+                                  <p:childTnLst>
+                                    <p:set>
+                                      <p:cBhvr>
+                                        <p:cTn id="28" dur="1" fill="hold">
+                                          <p:stCondLst>
+                                            <p:cond delay="0"/>
+                                          </p:stCondLst>
+                                        </p:cTn>
+                                        <p:tgtEl>
+                                          <p:spTgt spid="7"/>
+                                        </p:tgtEl>
+                                        <p:attrNameLst>
+                                          <p:attrName>style.visibility</p:attrName>
+                                        </p:attrNameLst>
+                                      </p:cBhvr>
+                                      <p:to>
+                                        <p:strVal val="visible"/>
+                                      </p:to>
+                                    </p:set>
+                                  </p:childTnLst>
+                                </p:cTn>
+                              </p:par>
+                              <p:par>
+                                <p:cTn id="29" presetID="1" presetClass="entr" presetSubtype="0" fill="hold" grpId="0" nodeType="withEffect">
+                                  <p:stCondLst>
+                                    <p:cond delay="0"/>
+                                  </p:stCondLst>
+                                  <p:childTnLst>
+                                    <p:set>
+                                      <p:cBhvr>
+                                        <p:cTn id="30" dur="1" fill="hold">
+                                          <p:stCondLst>
+                                            <p:cond delay="0"/>
+                                          </p:stCondLst>
+                                        </p:cTn>
+                                        <p:tgtEl>
+                                          <p:spTgt spid="5">
+                                            <p:txEl>
+                                              <p:pRg st="0" end="0"/>
+                                            </p:txEl>
+                                          </p:spTgt>
+                                        </p:tgtEl>
+                                        <p:attrNameLst>
+                                          <p:attrName>style.visibility</p:attrName>
+                                        </p:attrNameLst>
+                                      </p:cBhvr>
+                                      <p:to>
+                                        <p:strVal val="visible"/>
+                                      </p:to>
+                                    </p:set>
+                                  </p:childTnLst>
+                                </p:cTn>
+                              </p:par>
+                              <p:par>
+                                <p:cTn id="31" presetID="1" presetClass="entr" presetSubtype="0" fill="hold" grpId="0" nodeType="withEffect">
+                                  <p:stCondLst>
+                                    <p:cond delay="0"/>
+                                  </p:stCondLst>
+                                  <p:childTnLst>
+                                    <p:set>
+                                      <p:cBhvr>
+                                        <p:cTn id="32" dur="1" fill="hold">
+                                          <p:stCondLst>
+                                            <p:cond delay="0"/>
+                                          </p:stCondLst>
+                                        </p:cTn>
+                                        <p:tgtEl>
+                                          <p:spTgt spid="5">
+                                            <p:txEl>
+                                              <p:pRg st="1" end="1"/>
+                                            </p:txEl>
+                                          </p:spTgt>
+                                        </p:tgtEl>
+                                        <p:attrNameLst>
+                                          <p:attrName>style.visibility</p:attrName>
+                                        </p:attrNameLst>
+                                      </p:cBhvr>
+                                      <p:to>
+                                        <p:strVal val="visible"/>
+                                      </p:to>
+                                    </p:set>
+                                  </p:childTnLst>
+                                </p:cTn>
+                              </p:par>
+                              <p:par>
+                                <p:cTn id="33" presetID="1" presetClass="entr" presetSubtype="0" fill="hold" grpId="0" nodeType="withEffect">
+                                  <p:stCondLst>
+                                    <p:cond delay="0"/>
+                                  </p:stCondLst>
+                                  <p:childTnLst>
+                                    <p:set>
+                                      <p:cBhvr>
+                                        <p:cTn id="34" dur="1" fill="hold">
+                                          <p:stCondLst>
+                                            <p:cond delay="0"/>
+                                          </p:stCondLst>
+                                        </p:cTn>
+                                        <p:tgtEl>
+                                          <p:spTgt spid="5">
+                                            <p:txEl>
+                                              <p:pRg st="2" end="2"/>
+                                            </p:txEl>
+                                          </p:spTgt>
+                                        </p:tgtEl>
+                                        <p:attrNameLst>
+                                          <p:attrName>style.visibility</p:attrName>
+                                        </p:attrNameLst>
+                                      </p:cBhvr>
+                                      <p:to>
+                                        <p:strVal val="visible"/>
+                                      </p:to>
+                                    </p:set>
+                                  </p:childTnLst>
+                                </p:cTn>
+                              </p:par>
+                              <p:par>
+                                <p:cTn id="35" presetID="1" presetClass="entr" presetSubtype="0" fill="hold" grpId="0" nodeType="withEffect">
+                                  <p:stCondLst>
+                                    <p:cond delay="0"/>
+                                  </p:stCondLst>
+                                  <p:childTnLst>
+                                    <p:set>
+                                      <p:cBhvr>
+                                        <p:cTn id="36" dur="1" fill="hold">
+                                          <p:stCondLst>
+                                            <p:cond delay="0"/>
+                                          </p:stCondLst>
+                                        </p:cTn>
+                                        <p:tgtEl>
+                                          <p:spTgt spid="5">
+                                            <p:txEl>
+                                              <p:pRg st="3" end="3"/>
+                                            </p:txEl>
+                                          </p:spTgt>
+                                        </p:tgtEl>
+                                        <p:attrNameLst>
+                                          <p:attrName>style.visibility</p:attrName>
+                                        </p:attrNameLst>
+                                      </p:cBhvr>
+                                      <p:to>
+                                        <p:strVal val="visible"/>
+                                      </p:to>
+                                    </p:set>
+                                  </p:childTnLst>
+                                </p:cTn>
+                              </p:par>
+                              <p:par>
+                                <p:cTn id="37" presetID="1" presetClass="entr" presetSubtype="0" fill="hold" grpId="0" nodeType="withEffect">
+                                  <p:stCondLst>
+                                    <p:cond delay="0"/>
+                                  </p:stCondLst>
+                                  <p:childTnLst>
+                                    <p:set>
+                                      <p:cBhvr>
+                                        <p:cTn id="38" dur="1" fill="hold">
+                                          <p:stCondLst>
+                                            <p:cond delay="0"/>
+                                          </p:stCondLst>
+                                        </p:cTn>
+                                        <p:tgtEl>
+                                          <p:spTgt spid="5">
+                                            <p:txEl>
+                                              <p:pRg st="4" end="4"/>
+                                            </p:txEl>
+                                          </p:spTgt>
+                                        </p:tgtEl>
+                                        <p:attrNameLst>
+                                          <p:attrName>style.visibility</p:attrName>
+                                        </p:attrNameLst>
+                                      </p:cBhvr>
+                                      <p:to>
+                                        <p:strVal val="visible"/>
+                                      </p:to>
+                                    </p:set>
+                                  </p:childTnLst>
+                                </p:cTn>
+                              </p:par>
+                              <p:par>
+                                <p:cTn id="39" presetID="1" presetClass="entr" presetSubtype="0" fill="hold" grpId="0" nodeType="withEffect">
+                                  <p:stCondLst>
+                                    <p:cond delay="0"/>
+                                  </p:stCondLst>
+                                  <p:childTnLst>
+                                    <p:set>
+                                      <p:cBhvr>
+                                        <p:cTn id="40" dur="1" fill="hold">
+                                          <p:stCondLst>
+                                            <p:cond delay="0"/>
+                                          </p:stCondLst>
+                                        </p:cTn>
+                                        <p:tgtEl>
+                                          <p:spTgt spid="5">
+                                            <p:txEl>
+                                              <p:pRg st="5" end="5"/>
+                                            </p:txEl>
+                                          </p:spTgt>
+                                        </p:tgtEl>
+                                        <p:attrNameLst>
+                                          <p:attrName>style.visibility</p:attrName>
+                                        </p:attrNameLst>
+                                      </p:cBhvr>
+                                      <p:to>
+                                        <p:strVal val="visible"/>
+                                      </p:to>
+                                    </p:set>
+                                  </p:childTnLst>
+                                </p:cTn>
+                              </p:par>
+                            </p:childTnLst>
+                          </p:cTn>
+                        </p:par>
+                      </p:childTnLst>
+                    </p:cTn>
+                  </p:par>
+                  <p:par>
+                    <p:cTn id="41" fill="hold">
+                      <p:stCondLst>
+                        <p:cond delay="indefinite"/>
+                      </p:stCondLst>
+                      <p:childTnLst>
+                        <p:par>
+                          <p:cTn id="42" fill="hold">
+                            <p:stCondLst>
+                              <p:cond delay="0"/>
+                            </p:stCondLst>
+                            <p:childTnLst>
+                              <p:par>
+                                <p:cTn id="43" presetID="1" presetClass="entr" presetSubtype="0" fill="hold" grpId="0" nodeType="clickEffect">
+                                  <p:stCondLst>
+                                    <p:cond delay="0"/>
+                                  </p:stCondLst>
+                                  <p:childTnLst>
+                                    <p:set>
+                                      <p:cBhvr>
+                                        <p:cTn id="44" dur="1" fill="hold">
+                                          <p:stCondLst>
+                                            <p:cond delay="0"/>
+                                          </p:stCondLst>
+                                        </p:cTn>
+                                        <p:tgtEl>
+                                          <p:spTgt spid="9"/>
+                                        </p:tgtEl>
+                                        <p:attrNameLst>
+                                          <p:attrName>style.visibility</p:attrName>
+                                        </p:attrNameLst>
+                                      </p:cBhvr>
+                                      <p:to>
+                                        <p:strVal val="visible"/>
+                                      </p:to>
+                                    </p:set>
+                                  </p:childTnLst>
+                                </p:cTn>
+                              </p:par>
+                              <p:par>
+                                <p:cTn id="45" presetID="1" presetClass="entr" presetSubtype="0" fill="hold" nodeType="withEffect">
+                                  <p:stCondLst>
+                                    <p:cond delay="0"/>
+                                  </p:stCondLst>
+                                  <p:childTnLst>
+                                    <p:set>
+                                      <p:cBhvr>
+                                        <p:cTn id="46" dur="1" fill="hold">
+                                          <p:stCondLst>
+                                            <p:cond delay="0"/>
+                                          </p:stCondLst>
+                                        </p:cTn>
+                                        <p:tgtEl>
+                                          <p:spTgt spid="12"/>
+                                        </p:tgtEl>
+                                        <p:attrNameLst>
+                                          <p:attrName>style.visibility</p:attrName>
+                                        </p:attrNameLst>
+                                      </p:cBhvr>
+                                      <p:to>
+                                        <p:strVal val="visible"/>
+                                      </p:to>
+                                    </p:set>
+                                  </p:childTnLst>
+                                </p:cTn>
+                              </p:par>
+                            </p:childTnLst>
+                          </p:cTn>
+                        </p:par>
+                      </p:childTnLst>
+                    </p:cTn>
+                  </p:par>
+                </p:childTnLst>
+              </p:cTn>
+              <p:prevCondLst>
+                <p:cond evt="onPrev" delay="0">
+                  <p:tgtEl>
+                    <p:sldTgt/>
+                  </p:tgtEl>
+                </p:cond>
+              </p:prevCondLst>
+              <p:nextCondLst>
+                <p:cond evt="onNext" delay="0">
+                  <p:tgtEl>
+                    <p:sldTgt/>
+                  </p:tgtEl>
+                </p:cond>
+              </p:nextCondLst>
+            </p:seq>
+          </p:childTnLst>
+        </p:cTn>
+      </p:par>
+    </p:tnLst>
+    <p:bldLst>
+      <p:bldP spid="4" grpId="0" build="allAtOnce"/>
+      <p:bldP spid="5" grpId="0" build="allAtOnce"/>
+      <p:bldP spid="6" grpId="0"/>
+      <p:bldP spid="7" grpId="0"/>
+      <p:bldP spid="8" grpId="0"/>
+      <p:bldP spid="9" grpId="0"/>
+    </p:bldLst>
+  </p:timing>
 </p:sld>
 </file>
 
@@ -5113,7 +6017,7 @@
             </a:pPr>
             <a:r>
               <a:rPr lang="en-US" sz="2800" dirty="0"/>
-              <a:t>Discuss within your team when you can attend the 30 min weekly supervisory meeting with your Mentor</a:t>
+              <a:t>Discuss within your team your availability for the weekly meeting with your Mentor</a:t>
             </a:r>
           </a:p>
           <a:p>
@@ -16104,7 +17008,7 @@
           <p:nvPr/>
         </p:nvPicPr>
         <p:blipFill>
-          <a:blip r:embed="rId2">
+          <a:blip r:embed="rId3">
             <a:extLst>
               <a:ext uri="{28A0092B-C50C-407E-A947-70E740481C1C}">
                 <a14:useLocalDpi xmlns:a14="http://schemas.microsoft.com/office/drawing/2010/main" val="0"/>
@@ -16186,7 +17090,7 @@
           <p:nvPr/>
         </p:nvPicPr>
         <p:blipFill>
-          <a:blip r:embed="rId3">
+          <a:blip r:embed="rId4">
             <a:alphaModFix amt="35000"/>
             <a:extLst>
               <a:ext uri="{28A0092B-C50C-407E-A947-70E740481C1C}">
@@ -17960,7 +18864,13 @@
   <p:cSld>
     <p:spTree>
       <p:nvGrpSpPr>
-        <p:cNvPr id="1" name=""/>
+        <p:cNvPr id="1" name="">
+          <a:extLst>
+            <a:ext uri="{FF2B5EF4-FFF2-40B4-BE49-F238E27FC236}">
+              <a16:creationId xmlns:a16="http://schemas.microsoft.com/office/drawing/2014/main" id="{0E79CA4B-2F99-6FFA-0727-C12E57EB4D3C}"/>
+            </a:ext>
+          </a:extLst>
+        </p:cNvPr>
         <p:cNvGrpSpPr/>
         <p:nvPr/>
       </p:nvGrpSpPr>
@@ -17977,7 +18887,7 @@
           <p:cNvPr id="2" name="Title 1">
             <a:extLst>
               <a:ext uri="{FF2B5EF4-FFF2-40B4-BE49-F238E27FC236}">
-                <a16:creationId xmlns:a16="http://schemas.microsoft.com/office/drawing/2014/main" id="{6C4F4239-C3D4-D5C6-4F22-131C74F61FDD}"/>
+                <a16:creationId xmlns:a16="http://schemas.microsoft.com/office/drawing/2014/main" id="{62B6BBB7-7773-A629-4474-4DD3BC14C3E2}"/>
               </a:ext>
             </a:extLst>
           </p:cNvPr>
@@ -17990,8 +18900,8 @@
         </p:nvSpPr>
         <p:spPr>
           <a:xfrm>
-            <a:off x="2150076" y="522134"/>
-            <a:ext cx="8048367" cy="767304"/>
+            <a:off x="2150077" y="522134"/>
+            <a:ext cx="5280738" cy="767304"/>
           </a:xfrm>
         </p:spPr>
         <p:txBody>
@@ -18002,7 +18912,7 @@
           <a:p>
             <a:r>
               <a:rPr lang="en-US" sz="4400" dirty="0"/>
-              <a:t>Scrum Master vs Product Owner</a:t>
+              <a:t>Access to systems</a:t>
             </a:r>
           </a:p>
         </p:txBody>
@@ -18012,7 +18922,7 @@
           <p:cNvPr id="1026" name="Picture 2" descr="The University of Melbourne – Universities Australia">
             <a:extLst>
               <a:ext uri="{FF2B5EF4-FFF2-40B4-BE49-F238E27FC236}">
-                <a16:creationId xmlns:a16="http://schemas.microsoft.com/office/drawing/2014/main" id="{AC711272-44DF-5E11-193C-C375FC51205D}"/>
+                <a16:creationId xmlns:a16="http://schemas.microsoft.com/office/drawing/2014/main" id="{444B3814-7EBA-354A-6055-EF0B14203754}"/>
               </a:ext>
             </a:extLst>
           </p:cNvPr>
@@ -18056,10 +18966,10 @@
       </p:pic>
       <p:sp>
         <p:nvSpPr>
-          <p:cNvPr id="4" name="TextBox 3">
-            <a:extLst>
-              <a:ext uri="{FF2B5EF4-FFF2-40B4-BE49-F238E27FC236}">
-                <a16:creationId xmlns:a16="http://schemas.microsoft.com/office/drawing/2014/main" id="{80E8D277-662D-2BD8-88B9-F9C97B6DC09E}"/>
+          <p:cNvPr id="3" name="TextBox 2">
+            <a:extLst>
+              <a:ext uri="{FF2B5EF4-FFF2-40B4-BE49-F238E27FC236}">
+                <a16:creationId xmlns:a16="http://schemas.microsoft.com/office/drawing/2014/main" id="{ACAE1977-7148-6EAA-A133-7862F82F99F3}"/>
               </a:ext>
             </a:extLst>
           </p:cNvPr>
@@ -18068,8 +18978,8 @@
         </p:nvSpPr>
         <p:spPr>
           <a:xfrm>
-            <a:off x="1000613" y="2762676"/>
-            <a:ext cx="5221926" cy="2031325"/>
+            <a:off x="1660137" y="2301016"/>
+            <a:ext cx="10090429" cy="3483261"/>
           </a:xfrm>
           <a:prstGeom prst="rect">
             <a:avLst/>
@@ -18077,323 +18987,76 @@
           <a:noFill/>
         </p:spPr>
         <p:txBody>
-          <a:bodyPr wrap="square">
+          <a:bodyPr wrap="square" rtlCol="0">
             <a:spAutoFit/>
           </a:bodyPr>
           <a:lstStyle/>
           <a:p>
-            <a:pPr marL="285750" indent="-285750">
-              <a:buFont typeface="Arial" panose="020B0604020202020204" pitchFamily="34" charset="0"/>
-              <a:buChar char="•"/>
+            <a:pPr>
+              <a:lnSpc>
+                <a:spcPct val="150000"/>
+              </a:lnSpc>
             </a:pPr>
             <a:r>
-              <a:rPr lang="en-US" dirty="0" err="1"/>
-              <a:t>Organise</a:t>
-            </a:r>
-            <a:r>
-              <a:rPr lang="en-US" dirty="0"/>
-              <a:t> meetings</a:t>
-            </a:r>
-          </a:p>
-          <a:p>
-            <a:pPr marL="285750" indent="-285750">
-              <a:buFont typeface="Arial" panose="020B0604020202020204" pitchFamily="34" charset="0"/>
-              <a:buChar char="•"/>
+              <a:rPr lang="en-US" sz="3000" dirty="0"/>
+              <a:t>Canvas LMS – have you managed to access the 90009 Zip files</a:t>
+            </a:r>
+          </a:p>
+          <a:p>
+            <a:pPr>
+              <a:lnSpc>
+                <a:spcPct val="150000"/>
+              </a:lnSpc>
             </a:pPr>
             <a:r>
-              <a:rPr lang="en-US" dirty="0"/>
-              <a:t>Maintain the team’s kanban</a:t>
-            </a:r>
-          </a:p>
-          <a:p>
-            <a:pPr marL="285750" indent="-285750">
-              <a:buFont typeface="Arial" panose="020B0604020202020204" pitchFamily="34" charset="0"/>
-              <a:buChar char="•"/>
+              <a:rPr lang="en-US" sz="3000" dirty="0"/>
+              <a:t>Slack – communication between team members (and Mentor)</a:t>
+            </a:r>
+          </a:p>
+          <a:p>
+            <a:pPr>
+              <a:lnSpc>
+                <a:spcPct val="150000"/>
+              </a:lnSpc>
             </a:pPr>
             <a:r>
-              <a:rPr lang="en-US" dirty="0"/>
-              <a:t>Reports progress</a:t>
-            </a:r>
-          </a:p>
-          <a:p>
-            <a:pPr marL="285750" indent="-285750">
-              <a:buFont typeface="Arial" panose="020B0604020202020204" pitchFamily="34" charset="0"/>
-              <a:buChar char="•"/>
+              <a:rPr lang="en-US" sz="3000" dirty="0"/>
+              <a:t>Confluence – your team documentation resource</a:t>
+            </a:r>
+          </a:p>
+          <a:p>
+            <a:pPr>
+              <a:lnSpc>
+                <a:spcPct val="150000"/>
+              </a:lnSpc>
             </a:pPr>
             <a:r>
-              <a:rPr lang="en-US" dirty="0"/>
-              <a:t>Manage any issues or problems within the team</a:t>
-            </a:r>
-          </a:p>
-          <a:p>
-            <a:pPr marL="285750" indent="-285750">
-              <a:buFont typeface="Arial" panose="020B0604020202020204" pitchFamily="34" charset="0"/>
-              <a:buChar char="•"/>
+              <a:rPr lang="en-US" sz="3000" dirty="0">
+                <a:hlinkClick r:id="rId3"/>
+              </a:rPr>
+              <a:t>https://feit-teaching.atlassian.net/wiki/home</a:t>
+            </a:r>
+            <a:endParaRPr lang="en-US" sz="3000" dirty="0"/>
+          </a:p>
+          <a:p>
+            <a:pPr>
+              <a:lnSpc>
+                <a:spcPct val="150000"/>
+              </a:lnSpc>
             </a:pPr>
             <a:r>
-              <a:rPr lang="en-US" dirty="0"/>
-              <a:t>Monitors the workload of team members</a:t>
-            </a:r>
-          </a:p>
-          <a:p>
-            <a:pPr marL="285750" indent="-285750">
-              <a:buFont typeface="Arial" panose="020B0604020202020204" pitchFamily="34" charset="0"/>
-              <a:buChar char="•"/>
-            </a:pPr>
-            <a:r>
-              <a:rPr lang="en-US" dirty="0"/>
-              <a:t>Looks out for risks to team delivery and seeks to mitigate them</a:t>
-            </a:r>
-          </a:p>
-        </p:txBody>
-      </p:sp>
-      <p:sp>
-        <p:nvSpPr>
-          <p:cNvPr id="5" name="TextBox 4">
-            <a:extLst>
-              <a:ext uri="{FF2B5EF4-FFF2-40B4-BE49-F238E27FC236}">
-                <a16:creationId xmlns:a16="http://schemas.microsoft.com/office/drawing/2014/main" id="{078710EE-DE0E-AFBA-EDA7-5615D3BAA771}"/>
-              </a:ext>
-            </a:extLst>
-          </p:cNvPr>
-          <p:cNvSpPr txBox="1"/>
-          <p:nvPr/>
-        </p:nvSpPr>
-        <p:spPr>
-          <a:xfrm>
-            <a:off x="6921805" y="2695328"/>
-            <a:ext cx="5038967" cy="2031325"/>
-          </a:xfrm>
-          <a:prstGeom prst="rect">
-            <a:avLst/>
-          </a:prstGeom>
-          <a:noFill/>
-        </p:spPr>
-        <p:txBody>
-          <a:bodyPr wrap="square">
-            <a:spAutoFit/>
-          </a:bodyPr>
-          <a:lstStyle/>
-          <a:p>
-            <a:pPr marL="285750" indent="-285750">
-              <a:buFont typeface="Arial" panose="020B0604020202020204" pitchFamily="34" charset="0"/>
-              <a:buChar char="•"/>
-            </a:pPr>
-            <a:r>
-              <a:rPr lang="en-US" dirty="0"/>
-              <a:t>Understands and can explain the client’s intentions</a:t>
-            </a:r>
-          </a:p>
-          <a:p>
-            <a:pPr marL="285750" indent="-285750">
-              <a:buFont typeface="Arial" panose="020B0604020202020204" pitchFamily="34" charset="0"/>
-              <a:buChar char="•"/>
-            </a:pPr>
-            <a:r>
-              <a:rPr lang="en-US" dirty="0"/>
-              <a:t>Knows the product better than anyone!</a:t>
-            </a:r>
-          </a:p>
-          <a:p>
-            <a:pPr marL="285750" indent="-285750">
-              <a:buFont typeface="Arial" panose="020B0604020202020204" pitchFamily="34" charset="0"/>
-              <a:buChar char="•"/>
-            </a:pPr>
-            <a:r>
-              <a:rPr lang="en-US" dirty="0"/>
-              <a:t>Keeps the client informed at all stages</a:t>
-            </a:r>
-          </a:p>
-          <a:p>
-            <a:pPr marL="285750" indent="-285750">
-              <a:buFont typeface="Arial" panose="020B0604020202020204" pitchFamily="34" charset="0"/>
-              <a:buChar char="•"/>
-            </a:pPr>
-            <a:r>
-              <a:rPr lang="en-US" dirty="0"/>
-              <a:t>Starts the Sprint Review/Showcase meeting</a:t>
-            </a:r>
-          </a:p>
-          <a:p>
-            <a:pPr marL="285750" indent="-285750">
-              <a:buFont typeface="Arial" panose="020B0604020202020204" pitchFamily="34" charset="0"/>
-              <a:buChar char="•"/>
-            </a:pPr>
-            <a:r>
-              <a:rPr lang="en-US" dirty="0"/>
-              <a:t>Set the team goals and objectives for each sprint</a:t>
-            </a:r>
-          </a:p>
-          <a:p>
-            <a:pPr marL="285750" indent="-285750">
-              <a:buFont typeface="Arial" panose="020B0604020202020204" pitchFamily="34" charset="0"/>
-              <a:buChar char="•"/>
-            </a:pPr>
-            <a:r>
-              <a:rPr lang="en-US" dirty="0"/>
-              <a:t>Communicates clearly with confidence</a:t>
-            </a:r>
-          </a:p>
-        </p:txBody>
-      </p:sp>
-      <p:sp>
-        <p:nvSpPr>
-          <p:cNvPr id="6" name="TextBox 5">
-            <a:extLst>
-              <a:ext uri="{FF2B5EF4-FFF2-40B4-BE49-F238E27FC236}">
-                <a16:creationId xmlns:a16="http://schemas.microsoft.com/office/drawing/2014/main" id="{1C376CB5-A465-1B44-877C-42162000E7F0}"/>
-              </a:ext>
-            </a:extLst>
-          </p:cNvPr>
-          <p:cNvSpPr txBox="1"/>
-          <p:nvPr/>
-        </p:nvSpPr>
-        <p:spPr>
-          <a:xfrm>
-            <a:off x="1186249" y="2026643"/>
-            <a:ext cx="2220608" cy="523220"/>
-          </a:xfrm>
-          <a:prstGeom prst="rect">
-            <a:avLst/>
-          </a:prstGeom>
-          <a:noFill/>
-        </p:spPr>
-        <p:txBody>
-          <a:bodyPr wrap="none" rtlCol="0">
-            <a:spAutoFit/>
-          </a:bodyPr>
-          <a:lstStyle/>
-          <a:p>
-            <a:r>
-              <a:rPr lang="en-US" sz="2800" dirty="0"/>
-              <a:t>Scrum Master</a:t>
-            </a:r>
-          </a:p>
-        </p:txBody>
-      </p:sp>
-      <p:sp>
-        <p:nvSpPr>
-          <p:cNvPr id="7" name="TextBox 6">
-            <a:extLst>
-              <a:ext uri="{FF2B5EF4-FFF2-40B4-BE49-F238E27FC236}">
-                <a16:creationId xmlns:a16="http://schemas.microsoft.com/office/drawing/2014/main" id="{403F1BF5-AC56-C5C2-A677-A26C6A1AA486}"/>
-              </a:ext>
-            </a:extLst>
-          </p:cNvPr>
-          <p:cNvSpPr txBox="1"/>
-          <p:nvPr/>
-        </p:nvSpPr>
-        <p:spPr>
-          <a:xfrm>
-            <a:off x="7051590" y="2026643"/>
-            <a:ext cx="2397451" cy="523220"/>
-          </a:xfrm>
-          <a:prstGeom prst="rect">
-            <a:avLst/>
-          </a:prstGeom>
-          <a:noFill/>
-        </p:spPr>
-        <p:txBody>
-          <a:bodyPr wrap="none" rtlCol="0">
-            <a:spAutoFit/>
-          </a:bodyPr>
-          <a:lstStyle/>
-          <a:p>
-            <a:r>
-              <a:rPr lang="en-US" sz="2800" dirty="0"/>
-              <a:t>Product Owner</a:t>
-            </a:r>
-          </a:p>
-        </p:txBody>
-      </p:sp>
-      <p:sp>
-        <p:nvSpPr>
-          <p:cNvPr id="8" name="TextBox 7">
-            <a:extLst>
-              <a:ext uri="{FF2B5EF4-FFF2-40B4-BE49-F238E27FC236}">
-                <a16:creationId xmlns:a16="http://schemas.microsoft.com/office/drawing/2014/main" id="{FE67DB4B-EE1D-2FBD-3A53-4DFC9F620B03}"/>
-              </a:ext>
-            </a:extLst>
-          </p:cNvPr>
-          <p:cNvSpPr txBox="1"/>
-          <p:nvPr/>
-        </p:nvSpPr>
-        <p:spPr>
-          <a:xfrm>
-            <a:off x="2171097" y="5404173"/>
-            <a:ext cx="2651303" cy="523220"/>
-          </a:xfrm>
-          <a:prstGeom prst="rect">
-            <a:avLst/>
-          </a:prstGeom>
-          <a:noFill/>
-        </p:spPr>
-        <p:txBody>
-          <a:bodyPr wrap="none" rtlCol="0">
-            <a:spAutoFit/>
-          </a:bodyPr>
-          <a:lstStyle/>
-          <a:p>
-            <a:r>
-              <a:rPr lang="en-US" sz="2800" dirty="0">
-                <a:solidFill>
-                  <a:schemeClr val="accent2">
-                    <a:lumMod val="75000"/>
-                  </a:schemeClr>
-                </a:solidFill>
-              </a:rPr>
-              <a:t>Super organized!</a:t>
-            </a:r>
-          </a:p>
-        </p:txBody>
-      </p:sp>
-      <p:sp>
-        <p:nvSpPr>
-          <p:cNvPr id="9" name="TextBox 8">
-            <a:extLst>
-              <a:ext uri="{FF2B5EF4-FFF2-40B4-BE49-F238E27FC236}">
-                <a16:creationId xmlns:a16="http://schemas.microsoft.com/office/drawing/2014/main" id="{B1EB28B1-4220-21C1-BFC5-B8E50B6F8250}"/>
-              </a:ext>
-            </a:extLst>
-          </p:cNvPr>
-          <p:cNvSpPr txBox="1"/>
-          <p:nvPr/>
-        </p:nvSpPr>
-        <p:spPr>
-          <a:xfrm>
-            <a:off x="7623418" y="5433257"/>
-            <a:ext cx="3350661" cy="523220"/>
-          </a:xfrm>
-          <a:prstGeom prst="rect">
-            <a:avLst/>
-          </a:prstGeom>
-          <a:noFill/>
-        </p:spPr>
-        <p:txBody>
-          <a:bodyPr wrap="none" rtlCol="0">
-            <a:spAutoFit/>
-          </a:bodyPr>
-          <a:lstStyle/>
-          <a:p>
-            <a:r>
-              <a:rPr lang="en-US" sz="2800" dirty="0">
-                <a:solidFill>
-                  <a:schemeClr val="accent6">
-                    <a:lumMod val="75000"/>
-                  </a:schemeClr>
-                </a:solidFill>
-              </a:rPr>
-              <a:t>Super communicator!</a:t>
+              <a:rPr lang="en-US" sz="3000" dirty="0"/>
+              <a:t>GitHub – for project tracking and source code repository</a:t>
             </a:r>
           </a:p>
         </p:txBody>
       </p:sp>
       <p:pic>
         <p:nvPicPr>
-          <p:cNvPr id="11" name="Picture 10" descr="A black background with a black square&#10;&#10;Description automatically generated with medium confidence">
-            <a:extLst>
-              <a:ext uri="{FF2B5EF4-FFF2-40B4-BE49-F238E27FC236}">
-                <a16:creationId xmlns:a16="http://schemas.microsoft.com/office/drawing/2014/main" id="{29F237AF-5EC5-4997-691D-546B39F5EF9A}"/>
+          <p:cNvPr id="13" name="Graphic 12" descr="Checkbox Ticked with solid fill">
+            <a:extLst>
+              <a:ext uri="{FF2B5EF4-FFF2-40B4-BE49-F238E27FC236}">
+                <a16:creationId xmlns:a16="http://schemas.microsoft.com/office/drawing/2014/main" id="{2A59BC5C-04AC-97F0-A6C4-1BEF8460B247}"/>
               </a:ext>
             </a:extLst>
           </p:cNvPr>
@@ -18403,14 +19066,12 @@
           <p:nvPr/>
         </p:nvPicPr>
         <p:blipFill>
-          <a:blip r:embed="rId3">
-            <a:duotone>
-              <a:schemeClr val="accent2">
-                <a:shade val="45000"/>
-                <a:satMod val="135000"/>
-              </a:schemeClr>
-              <a:prstClr val="white"/>
-            </a:duotone>
+          <a:blip r:embed="rId4">
+            <a:extLst>
+              <a:ext uri="{96DAC541-7B7A-43D3-8B79-37D633B846F1}">
+                <asvg:svgBlip xmlns:asvg="http://schemas.microsoft.com/office/drawing/2016/SVG/main" r:embed="rId5"/>
+              </a:ext>
+            </a:extLst>
           </a:blip>
           <a:stretch>
             <a:fillRect/>
@@ -18418,8 +19079,8 @@
         </p:blipFill>
         <p:spPr>
           <a:xfrm>
-            <a:off x="1259963" y="5289607"/>
-            <a:ext cx="842389" cy="842389"/>
+            <a:off x="543413" y="2225565"/>
+            <a:ext cx="914400" cy="914400"/>
           </a:xfrm>
           <a:prstGeom prst="rect">
             <a:avLst/>
@@ -18428,10 +19089,10 @@
       </p:pic>
       <p:pic>
         <p:nvPicPr>
-          <p:cNvPr id="12" name="Picture 11" descr="A black background with a black square&#10;&#10;Description automatically generated with medium confidence">
-            <a:extLst>
-              <a:ext uri="{FF2B5EF4-FFF2-40B4-BE49-F238E27FC236}">
-                <a16:creationId xmlns:a16="http://schemas.microsoft.com/office/drawing/2014/main" id="{2F827F40-1879-8283-CC19-75DBD0495287}"/>
+          <p:cNvPr id="14" name="Graphic 13" descr="Checkbox Ticked with solid fill">
+            <a:extLst>
+              <a:ext uri="{FF2B5EF4-FFF2-40B4-BE49-F238E27FC236}">
+                <a16:creationId xmlns:a16="http://schemas.microsoft.com/office/drawing/2014/main" id="{B5AD9217-B037-02E9-4F4E-A49D5428B0E4}"/>
               </a:ext>
             </a:extLst>
           </p:cNvPr>
@@ -18441,14 +19102,12 @@
           <p:nvPr/>
         </p:nvPicPr>
         <p:blipFill>
-          <a:blip r:embed="rId3">
-            <a:duotone>
-              <a:schemeClr val="accent6">
-                <a:shade val="45000"/>
-                <a:satMod val="135000"/>
-              </a:schemeClr>
-              <a:prstClr val="white"/>
-            </a:duotone>
+          <a:blip r:embed="rId4">
+            <a:extLst>
+              <a:ext uri="{96DAC541-7B7A-43D3-8B79-37D633B846F1}">
+                <asvg:svgBlip xmlns:asvg="http://schemas.microsoft.com/office/drawing/2016/SVG/main" r:embed="rId5"/>
+              </a:ext>
+            </a:extLst>
           </a:blip>
           <a:stretch>
             <a:fillRect/>
@@ -18456,8 +19115,80 @@
         </p:blipFill>
         <p:spPr>
           <a:xfrm>
-            <a:off x="6781029" y="5289607"/>
-            <a:ext cx="842389" cy="842389"/>
+            <a:off x="543413" y="2919248"/>
+            <a:ext cx="914400" cy="914400"/>
+          </a:xfrm>
+          <a:prstGeom prst="rect">
+            <a:avLst/>
+          </a:prstGeom>
+        </p:spPr>
+      </p:pic>
+      <p:pic>
+        <p:nvPicPr>
+          <p:cNvPr id="15" name="Graphic 14" descr="Checkbox Ticked with solid fill">
+            <a:extLst>
+              <a:ext uri="{FF2B5EF4-FFF2-40B4-BE49-F238E27FC236}">
+                <a16:creationId xmlns:a16="http://schemas.microsoft.com/office/drawing/2014/main" id="{0532A13A-45EC-82E8-B83F-FE980EE2C49D}"/>
+              </a:ext>
+            </a:extLst>
+          </p:cNvPr>
+          <p:cNvPicPr>
+            <a:picLocks noChangeAspect="1"/>
+          </p:cNvPicPr>
+          <p:nvPr/>
+        </p:nvPicPr>
+        <p:blipFill>
+          <a:blip r:embed="rId4">
+            <a:extLst>
+              <a:ext uri="{96DAC541-7B7A-43D3-8B79-37D633B846F1}">
+                <asvg:svgBlip xmlns:asvg="http://schemas.microsoft.com/office/drawing/2016/SVG/main" r:embed="rId5"/>
+              </a:ext>
+            </a:extLst>
+          </a:blip>
+          <a:stretch>
+            <a:fillRect/>
+          </a:stretch>
+        </p:blipFill>
+        <p:spPr>
+          <a:xfrm>
+            <a:off x="532903" y="3602421"/>
+            <a:ext cx="914400" cy="914400"/>
+          </a:xfrm>
+          <a:prstGeom prst="rect">
+            <a:avLst/>
+          </a:prstGeom>
+        </p:spPr>
+      </p:pic>
+      <p:pic>
+        <p:nvPicPr>
+          <p:cNvPr id="16" name="Graphic 15" descr="Checkbox Ticked with solid fill">
+            <a:extLst>
+              <a:ext uri="{FF2B5EF4-FFF2-40B4-BE49-F238E27FC236}">
+                <a16:creationId xmlns:a16="http://schemas.microsoft.com/office/drawing/2014/main" id="{F332924A-A0F1-D49C-D8F9-32B6EED747DA}"/>
+              </a:ext>
+            </a:extLst>
+          </p:cNvPr>
+          <p:cNvPicPr>
+            <a:picLocks noChangeAspect="1"/>
+          </p:cNvPicPr>
+          <p:nvPr/>
+        </p:nvPicPr>
+        <p:blipFill>
+          <a:blip r:embed="rId4">
+            <a:extLst>
+              <a:ext uri="{96DAC541-7B7A-43D3-8B79-37D633B846F1}">
+                <asvg:svgBlip xmlns:asvg="http://schemas.microsoft.com/office/drawing/2016/SVG/main" r:embed="rId5"/>
+              </a:ext>
+            </a:extLst>
+          </a:blip>
+          <a:stretch>
+            <a:fillRect/>
+          </a:stretch>
+        </p:blipFill>
+        <p:spPr>
+          <a:xfrm>
+            <a:off x="543413" y="4979277"/>
+            <a:ext cx="914400" cy="914400"/>
           </a:xfrm>
           <a:prstGeom prst="rect">
             <a:avLst/>
@@ -18467,657 +19198,13 @@
     </p:spTree>
     <p:extLst>
       <p:ext uri="{BB962C8B-B14F-4D97-AF65-F5344CB8AC3E}">
-        <p14:creationId xmlns:p14="http://schemas.microsoft.com/office/powerpoint/2010/main" val="2211483041"/>
+        <p14:creationId xmlns:p14="http://schemas.microsoft.com/office/powerpoint/2010/main" val="3760783290"/>
       </p:ext>
     </p:extLst>
   </p:cSld>
   <p:clrMapOvr>
     <a:masterClrMapping/>
   </p:clrMapOvr>
-  <p:timing>
-    <p:tnLst>
-      <p:par>
-        <p:cTn id="1" dur="indefinite" restart="never" nodeType="tmRoot">
-          <p:childTnLst>
-            <p:seq concurrent="1" nextAc="seek">
-              <p:cTn id="2" dur="indefinite" nodeType="mainSeq">
-                <p:childTnLst>
-                  <p:par>
-                    <p:cTn id="3" fill="hold">
-                      <p:stCondLst>
-                        <p:cond delay="indefinite"/>
-                      </p:stCondLst>
-                      <p:childTnLst>
-                        <p:par>
-                          <p:cTn id="4" fill="hold">
-                            <p:stCondLst>
-                              <p:cond delay="0"/>
-                            </p:stCondLst>
-                            <p:childTnLst>
-                              <p:par>
-                                <p:cTn id="5" presetID="1" presetClass="entr" presetSubtype="0" fill="hold" grpId="0" nodeType="clickEffect">
-                                  <p:stCondLst>
-                                    <p:cond delay="0"/>
-                                  </p:stCondLst>
-                                  <p:childTnLst>
-                                    <p:set>
-                                      <p:cBhvr>
-                                        <p:cTn id="6" dur="1" fill="hold">
-                                          <p:stCondLst>
-                                            <p:cond delay="0"/>
-                                          </p:stCondLst>
-                                        </p:cTn>
-                                        <p:tgtEl>
-                                          <p:spTgt spid="6"/>
-                                        </p:tgtEl>
-                                        <p:attrNameLst>
-                                          <p:attrName>style.visibility</p:attrName>
-                                        </p:attrNameLst>
-                                      </p:cBhvr>
-                                      <p:to>
-                                        <p:strVal val="visible"/>
-                                      </p:to>
-                                    </p:set>
-                                  </p:childTnLst>
-                                </p:cTn>
-                              </p:par>
-                              <p:par>
-                                <p:cTn id="7" presetID="1" presetClass="entr" presetSubtype="0" fill="hold" grpId="0" nodeType="withEffect">
-                                  <p:stCondLst>
-                                    <p:cond delay="0"/>
-                                  </p:stCondLst>
-                                  <p:childTnLst>
-                                    <p:set>
-                                      <p:cBhvr>
-                                        <p:cTn id="8" dur="1" fill="hold">
-                                          <p:stCondLst>
-                                            <p:cond delay="0"/>
-                                          </p:stCondLst>
-                                        </p:cTn>
-                                        <p:tgtEl>
-                                          <p:spTgt spid="4">
-                                            <p:txEl>
-                                              <p:pRg st="0" end="0"/>
-                                            </p:txEl>
-                                          </p:spTgt>
-                                        </p:tgtEl>
-                                        <p:attrNameLst>
-                                          <p:attrName>style.visibility</p:attrName>
-                                        </p:attrNameLst>
-                                      </p:cBhvr>
-                                      <p:to>
-                                        <p:strVal val="visible"/>
-                                      </p:to>
-                                    </p:set>
-                                  </p:childTnLst>
-                                </p:cTn>
-                              </p:par>
-                              <p:par>
-                                <p:cTn id="9" presetID="1" presetClass="entr" presetSubtype="0" fill="hold" grpId="0" nodeType="withEffect">
-                                  <p:stCondLst>
-                                    <p:cond delay="0"/>
-                                  </p:stCondLst>
-                                  <p:childTnLst>
-                                    <p:set>
-                                      <p:cBhvr>
-                                        <p:cTn id="10" dur="1" fill="hold">
-                                          <p:stCondLst>
-                                            <p:cond delay="0"/>
-                                          </p:stCondLst>
-                                        </p:cTn>
-                                        <p:tgtEl>
-                                          <p:spTgt spid="4">
-                                            <p:txEl>
-                                              <p:pRg st="1" end="1"/>
-                                            </p:txEl>
-                                          </p:spTgt>
-                                        </p:tgtEl>
-                                        <p:attrNameLst>
-                                          <p:attrName>style.visibility</p:attrName>
-                                        </p:attrNameLst>
-                                      </p:cBhvr>
-                                      <p:to>
-                                        <p:strVal val="visible"/>
-                                      </p:to>
-                                    </p:set>
-                                  </p:childTnLst>
-                                </p:cTn>
-                              </p:par>
-                              <p:par>
-                                <p:cTn id="11" presetID="1" presetClass="entr" presetSubtype="0" fill="hold" grpId="0" nodeType="withEffect">
-                                  <p:stCondLst>
-                                    <p:cond delay="0"/>
-                                  </p:stCondLst>
-                                  <p:childTnLst>
-                                    <p:set>
-                                      <p:cBhvr>
-                                        <p:cTn id="12" dur="1" fill="hold">
-                                          <p:stCondLst>
-                                            <p:cond delay="0"/>
-                                          </p:stCondLst>
-                                        </p:cTn>
-                                        <p:tgtEl>
-                                          <p:spTgt spid="4">
-                                            <p:txEl>
-                                              <p:pRg st="2" end="2"/>
-                                            </p:txEl>
-                                          </p:spTgt>
-                                        </p:tgtEl>
-                                        <p:attrNameLst>
-                                          <p:attrName>style.visibility</p:attrName>
-                                        </p:attrNameLst>
-                                      </p:cBhvr>
-                                      <p:to>
-                                        <p:strVal val="visible"/>
-                                      </p:to>
-                                    </p:set>
-                                  </p:childTnLst>
-                                </p:cTn>
-                              </p:par>
-                              <p:par>
-                                <p:cTn id="13" presetID="1" presetClass="entr" presetSubtype="0" fill="hold" grpId="0" nodeType="withEffect">
-                                  <p:stCondLst>
-                                    <p:cond delay="0"/>
-                                  </p:stCondLst>
-                                  <p:childTnLst>
-                                    <p:set>
-                                      <p:cBhvr>
-                                        <p:cTn id="14" dur="1" fill="hold">
-                                          <p:stCondLst>
-                                            <p:cond delay="0"/>
-                                          </p:stCondLst>
-                                        </p:cTn>
-                                        <p:tgtEl>
-                                          <p:spTgt spid="4">
-                                            <p:txEl>
-                                              <p:pRg st="3" end="3"/>
-                                            </p:txEl>
-                                          </p:spTgt>
-                                        </p:tgtEl>
-                                        <p:attrNameLst>
-                                          <p:attrName>style.visibility</p:attrName>
-                                        </p:attrNameLst>
-                                      </p:cBhvr>
-                                      <p:to>
-                                        <p:strVal val="visible"/>
-                                      </p:to>
-                                    </p:set>
-                                  </p:childTnLst>
-                                </p:cTn>
-                              </p:par>
-                              <p:par>
-                                <p:cTn id="15" presetID="1" presetClass="entr" presetSubtype="0" fill="hold" grpId="0" nodeType="withEffect">
-                                  <p:stCondLst>
-                                    <p:cond delay="0"/>
-                                  </p:stCondLst>
-                                  <p:childTnLst>
-                                    <p:set>
-                                      <p:cBhvr>
-                                        <p:cTn id="16" dur="1" fill="hold">
-                                          <p:stCondLst>
-                                            <p:cond delay="0"/>
-                                          </p:stCondLst>
-                                        </p:cTn>
-                                        <p:tgtEl>
-                                          <p:spTgt spid="4">
-                                            <p:txEl>
-                                              <p:pRg st="4" end="4"/>
-                                            </p:txEl>
-                                          </p:spTgt>
-                                        </p:tgtEl>
-                                        <p:attrNameLst>
-                                          <p:attrName>style.visibility</p:attrName>
-                                        </p:attrNameLst>
-                                      </p:cBhvr>
-                                      <p:to>
-                                        <p:strVal val="visible"/>
-                                      </p:to>
-                                    </p:set>
-                                  </p:childTnLst>
-                                </p:cTn>
-                              </p:par>
-                              <p:par>
-                                <p:cTn id="17" presetID="1" presetClass="entr" presetSubtype="0" fill="hold" grpId="0" nodeType="withEffect">
-                                  <p:stCondLst>
-                                    <p:cond delay="0"/>
-                                  </p:stCondLst>
-                                  <p:childTnLst>
-                                    <p:set>
-                                      <p:cBhvr>
-                                        <p:cTn id="18" dur="1" fill="hold">
-                                          <p:stCondLst>
-                                            <p:cond delay="0"/>
-                                          </p:stCondLst>
-                                        </p:cTn>
-                                        <p:tgtEl>
-                                          <p:spTgt spid="4">
-                                            <p:txEl>
-                                              <p:pRg st="5" end="5"/>
-                                            </p:txEl>
-                                          </p:spTgt>
-                                        </p:tgtEl>
-                                        <p:attrNameLst>
-                                          <p:attrName>style.visibility</p:attrName>
-                                        </p:attrNameLst>
-                                      </p:cBhvr>
-                                      <p:to>
-                                        <p:strVal val="visible"/>
-                                      </p:to>
-                                    </p:set>
-                                  </p:childTnLst>
-                                </p:cTn>
-                              </p:par>
-                            </p:childTnLst>
-                          </p:cTn>
-                        </p:par>
-                      </p:childTnLst>
-                    </p:cTn>
-                  </p:par>
-                  <p:par>
-                    <p:cTn id="19" fill="hold">
-                      <p:stCondLst>
-                        <p:cond delay="indefinite"/>
-                      </p:stCondLst>
-                      <p:childTnLst>
-                        <p:par>
-                          <p:cTn id="20" fill="hold">
-                            <p:stCondLst>
-                              <p:cond delay="0"/>
-                            </p:stCondLst>
-                            <p:childTnLst>
-                              <p:par>
-                                <p:cTn id="21" presetID="1" presetClass="entr" presetSubtype="0" fill="hold" nodeType="clickEffect">
-                                  <p:stCondLst>
-                                    <p:cond delay="0"/>
-                                  </p:stCondLst>
-                                  <p:childTnLst>
-                                    <p:set>
-                                      <p:cBhvr>
-                                        <p:cTn id="22" dur="1" fill="hold">
-                                          <p:stCondLst>
-                                            <p:cond delay="0"/>
-                                          </p:stCondLst>
-                                        </p:cTn>
-                                        <p:tgtEl>
-                                          <p:spTgt spid="11"/>
-                                        </p:tgtEl>
-                                        <p:attrNameLst>
-                                          <p:attrName>style.visibility</p:attrName>
-                                        </p:attrNameLst>
-                                      </p:cBhvr>
-                                      <p:to>
-                                        <p:strVal val="visible"/>
-                                      </p:to>
-                                    </p:set>
-                                  </p:childTnLst>
-                                </p:cTn>
-                              </p:par>
-                              <p:par>
-                                <p:cTn id="23" presetID="1" presetClass="entr" presetSubtype="0" fill="hold" grpId="0" nodeType="withEffect">
-                                  <p:stCondLst>
-                                    <p:cond delay="0"/>
-                                  </p:stCondLst>
-                                  <p:childTnLst>
-                                    <p:set>
-                                      <p:cBhvr>
-                                        <p:cTn id="24" dur="1" fill="hold">
-                                          <p:stCondLst>
-                                            <p:cond delay="0"/>
-                                          </p:stCondLst>
-                                        </p:cTn>
-                                        <p:tgtEl>
-                                          <p:spTgt spid="8"/>
-                                        </p:tgtEl>
-                                        <p:attrNameLst>
-                                          <p:attrName>style.visibility</p:attrName>
-                                        </p:attrNameLst>
-                                      </p:cBhvr>
-                                      <p:to>
-                                        <p:strVal val="visible"/>
-                                      </p:to>
-                                    </p:set>
-                                  </p:childTnLst>
-                                </p:cTn>
-                              </p:par>
-                            </p:childTnLst>
-                          </p:cTn>
-                        </p:par>
-                      </p:childTnLst>
-                    </p:cTn>
-                  </p:par>
-                  <p:par>
-                    <p:cTn id="25" fill="hold">
-                      <p:stCondLst>
-                        <p:cond delay="indefinite"/>
-                      </p:stCondLst>
-                      <p:childTnLst>
-                        <p:par>
-                          <p:cTn id="26" fill="hold">
-                            <p:stCondLst>
-                              <p:cond delay="0"/>
-                            </p:stCondLst>
-                            <p:childTnLst>
-                              <p:par>
-                                <p:cTn id="27" presetID="1" presetClass="entr" presetSubtype="0" fill="hold" grpId="0" nodeType="clickEffect">
-                                  <p:stCondLst>
-                                    <p:cond delay="0"/>
-                                  </p:stCondLst>
-                                  <p:childTnLst>
-                                    <p:set>
-                                      <p:cBhvr>
-                                        <p:cTn id="28" dur="1" fill="hold">
-                                          <p:stCondLst>
-                                            <p:cond delay="0"/>
-                                          </p:stCondLst>
-                                        </p:cTn>
-                                        <p:tgtEl>
-                                          <p:spTgt spid="7"/>
-                                        </p:tgtEl>
-                                        <p:attrNameLst>
-                                          <p:attrName>style.visibility</p:attrName>
-                                        </p:attrNameLst>
-                                      </p:cBhvr>
-                                      <p:to>
-                                        <p:strVal val="visible"/>
-                                      </p:to>
-                                    </p:set>
-                                  </p:childTnLst>
-                                </p:cTn>
-                              </p:par>
-                              <p:par>
-                                <p:cTn id="29" presetID="1" presetClass="entr" presetSubtype="0" fill="hold" grpId="0" nodeType="withEffect">
-                                  <p:stCondLst>
-                                    <p:cond delay="0"/>
-                                  </p:stCondLst>
-                                  <p:childTnLst>
-                                    <p:set>
-                                      <p:cBhvr>
-                                        <p:cTn id="30" dur="1" fill="hold">
-                                          <p:stCondLst>
-                                            <p:cond delay="0"/>
-                                          </p:stCondLst>
-                                        </p:cTn>
-                                        <p:tgtEl>
-                                          <p:spTgt spid="5">
-                                            <p:txEl>
-                                              <p:pRg st="0" end="0"/>
-                                            </p:txEl>
-                                          </p:spTgt>
-                                        </p:tgtEl>
-                                        <p:attrNameLst>
-                                          <p:attrName>style.visibility</p:attrName>
-                                        </p:attrNameLst>
-                                      </p:cBhvr>
-                                      <p:to>
-                                        <p:strVal val="visible"/>
-                                      </p:to>
-                                    </p:set>
-                                  </p:childTnLst>
-                                </p:cTn>
-                              </p:par>
-                              <p:par>
-                                <p:cTn id="31" presetID="1" presetClass="entr" presetSubtype="0" fill="hold" grpId="0" nodeType="withEffect">
-                                  <p:stCondLst>
-                                    <p:cond delay="0"/>
-                                  </p:stCondLst>
-                                  <p:childTnLst>
-                                    <p:set>
-                                      <p:cBhvr>
-                                        <p:cTn id="32" dur="1" fill="hold">
-                                          <p:stCondLst>
-                                            <p:cond delay="0"/>
-                                          </p:stCondLst>
-                                        </p:cTn>
-                                        <p:tgtEl>
-                                          <p:spTgt spid="5">
-                                            <p:txEl>
-                                              <p:pRg st="1" end="1"/>
-                                            </p:txEl>
-                                          </p:spTgt>
-                                        </p:tgtEl>
-                                        <p:attrNameLst>
-                                          <p:attrName>style.visibility</p:attrName>
-                                        </p:attrNameLst>
-                                      </p:cBhvr>
-                                      <p:to>
-                                        <p:strVal val="visible"/>
-                                      </p:to>
-                                    </p:set>
-                                  </p:childTnLst>
-                                </p:cTn>
-                              </p:par>
-                              <p:par>
-                                <p:cTn id="33" presetID="1" presetClass="entr" presetSubtype="0" fill="hold" grpId="0" nodeType="withEffect">
-                                  <p:stCondLst>
-                                    <p:cond delay="0"/>
-                                  </p:stCondLst>
-                                  <p:childTnLst>
-                                    <p:set>
-                                      <p:cBhvr>
-                                        <p:cTn id="34" dur="1" fill="hold">
-                                          <p:stCondLst>
-                                            <p:cond delay="0"/>
-                                          </p:stCondLst>
-                                        </p:cTn>
-                                        <p:tgtEl>
-                                          <p:spTgt spid="5">
-                                            <p:txEl>
-                                              <p:pRg st="2" end="2"/>
-                                            </p:txEl>
-                                          </p:spTgt>
-                                        </p:tgtEl>
-                                        <p:attrNameLst>
-                                          <p:attrName>style.visibility</p:attrName>
-                                        </p:attrNameLst>
-                                      </p:cBhvr>
-                                      <p:to>
-                                        <p:strVal val="visible"/>
-                                      </p:to>
-                                    </p:set>
-                                  </p:childTnLst>
-                                </p:cTn>
-                              </p:par>
-                              <p:par>
-                                <p:cTn id="35" presetID="1" presetClass="entr" presetSubtype="0" fill="hold" grpId="0" nodeType="withEffect">
-                                  <p:stCondLst>
-                                    <p:cond delay="0"/>
-                                  </p:stCondLst>
-                                  <p:childTnLst>
-                                    <p:set>
-                                      <p:cBhvr>
-                                        <p:cTn id="36" dur="1" fill="hold">
-                                          <p:stCondLst>
-                                            <p:cond delay="0"/>
-                                          </p:stCondLst>
-                                        </p:cTn>
-                                        <p:tgtEl>
-                                          <p:spTgt spid="5">
-                                            <p:txEl>
-                                              <p:pRg st="3" end="3"/>
-                                            </p:txEl>
-                                          </p:spTgt>
-                                        </p:tgtEl>
-                                        <p:attrNameLst>
-                                          <p:attrName>style.visibility</p:attrName>
-                                        </p:attrNameLst>
-                                      </p:cBhvr>
-                                      <p:to>
-                                        <p:strVal val="visible"/>
-                                      </p:to>
-                                    </p:set>
-                                  </p:childTnLst>
-                                </p:cTn>
-                              </p:par>
-                              <p:par>
-                                <p:cTn id="37" presetID="1" presetClass="entr" presetSubtype="0" fill="hold" grpId="0" nodeType="withEffect">
-                                  <p:stCondLst>
-                                    <p:cond delay="0"/>
-                                  </p:stCondLst>
-                                  <p:childTnLst>
-                                    <p:set>
-                                      <p:cBhvr>
-                                        <p:cTn id="38" dur="1" fill="hold">
-                                          <p:stCondLst>
-                                            <p:cond delay="0"/>
-                                          </p:stCondLst>
-                                        </p:cTn>
-                                        <p:tgtEl>
-                                          <p:spTgt spid="5">
-                                            <p:txEl>
-                                              <p:pRg st="4" end="4"/>
-                                            </p:txEl>
-                                          </p:spTgt>
-                                        </p:tgtEl>
-                                        <p:attrNameLst>
-                                          <p:attrName>style.visibility</p:attrName>
-                                        </p:attrNameLst>
-                                      </p:cBhvr>
-                                      <p:to>
-                                        <p:strVal val="visible"/>
-                                      </p:to>
-                                    </p:set>
-                                  </p:childTnLst>
-                                </p:cTn>
-                              </p:par>
-                              <p:par>
-                                <p:cTn id="39" presetID="1" presetClass="entr" presetSubtype="0" fill="hold" grpId="0" nodeType="withEffect">
-                                  <p:stCondLst>
-                                    <p:cond delay="0"/>
-                                  </p:stCondLst>
-                                  <p:childTnLst>
-                                    <p:set>
-                                      <p:cBhvr>
-                                        <p:cTn id="40" dur="1" fill="hold">
-                                          <p:stCondLst>
-                                            <p:cond delay="0"/>
-                                          </p:stCondLst>
-                                        </p:cTn>
-                                        <p:tgtEl>
-                                          <p:spTgt spid="5">
-                                            <p:txEl>
-                                              <p:pRg st="5" end="5"/>
-                                            </p:txEl>
-                                          </p:spTgt>
-                                        </p:tgtEl>
-                                        <p:attrNameLst>
-                                          <p:attrName>style.visibility</p:attrName>
-                                        </p:attrNameLst>
-                                      </p:cBhvr>
-                                      <p:to>
-                                        <p:strVal val="visible"/>
-                                      </p:to>
-                                    </p:set>
-                                  </p:childTnLst>
-                                </p:cTn>
-                              </p:par>
-                            </p:childTnLst>
-                          </p:cTn>
-                        </p:par>
-                      </p:childTnLst>
-                    </p:cTn>
-                  </p:par>
-                  <p:par>
-                    <p:cTn id="41" fill="hold">
-                      <p:stCondLst>
-                        <p:cond delay="indefinite"/>
-                      </p:stCondLst>
-                      <p:childTnLst>
-                        <p:par>
-                          <p:cTn id="42" fill="hold">
-                            <p:stCondLst>
-                              <p:cond delay="0"/>
-                            </p:stCondLst>
-                            <p:childTnLst>
-                              <p:par>
-                                <p:cTn id="43" presetID="1" presetClass="entr" presetSubtype="0" fill="hold" grpId="0" nodeType="clickEffect">
-                                  <p:stCondLst>
-                                    <p:cond delay="0"/>
-                                  </p:stCondLst>
-                                  <p:childTnLst>
-                                    <p:set>
-                                      <p:cBhvr>
-                                        <p:cTn id="44" dur="1" fill="hold">
-                                          <p:stCondLst>
-                                            <p:cond delay="0"/>
-                                          </p:stCondLst>
-                                        </p:cTn>
-                                        <p:tgtEl>
-                                          <p:spTgt spid="9"/>
-                                        </p:tgtEl>
-                                        <p:attrNameLst>
-                                          <p:attrName>style.visibility</p:attrName>
-                                        </p:attrNameLst>
-                                      </p:cBhvr>
-                                      <p:to>
-                                        <p:strVal val="visible"/>
-                                      </p:to>
-                                    </p:set>
-                                  </p:childTnLst>
-                                </p:cTn>
-                              </p:par>
-                              <p:par>
-                                <p:cTn id="45" presetID="1" presetClass="entr" presetSubtype="0" fill="hold" nodeType="withEffect">
-                                  <p:stCondLst>
-                                    <p:cond delay="0"/>
-                                  </p:stCondLst>
-                                  <p:childTnLst>
-                                    <p:set>
-                                      <p:cBhvr>
-                                        <p:cTn id="46" dur="1" fill="hold">
-                                          <p:stCondLst>
-                                            <p:cond delay="0"/>
-                                          </p:stCondLst>
-                                        </p:cTn>
-                                        <p:tgtEl>
-                                          <p:spTgt spid="12"/>
-                                        </p:tgtEl>
-                                        <p:attrNameLst>
-                                          <p:attrName>style.visibility</p:attrName>
-                                        </p:attrNameLst>
-                                      </p:cBhvr>
-                                      <p:to>
-                                        <p:strVal val="visible"/>
-                                      </p:to>
-                                    </p:set>
-                                  </p:childTnLst>
-                                </p:cTn>
-                              </p:par>
-                            </p:childTnLst>
-                          </p:cTn>
-                        </p:par>
-                      </p:childTnLst>
-                    </p:cTn>
-                  </p:par>
-                </p:childTnLst>
-              </p:cTn>
-              <p:prevCondLst>
-                <p:cond evt="onPrev" delay="0">
-                  <p:tgtEl>
-                    <p:sldTgt/>
-                  </p:tgtEl>
-                </p:cond>
-              </p:prevCondLst>
-              <p:nextCondLst>
-                <p:cond evt="onNext" delay="0">
-                  <p:tgtEl>
-                    <p:sldTgt/>
-                  </p:tgtEl>
-                </p:cond>
-              </p:nextCondLst>
-            </p:seq>
-          </p:childTnLst>
-        </p:cTn>
-      </p:par>
-    </p:tnLst>
-    <p:bldLst>
-      <p:bldP spid="4" grpId="0" build="allAtOnce"/>
-      <p:bldP spid="5" grpId="0" build="allAtOnce"/>
-      <p:bldP spid="6" grpId="0"/>
-      <p:bldP spid="7" grpId="0"/>
-      <p:bldP spid="8" grpId="0"/>
-      <p:bldP spid="9" grpId="0"/>
-    </p:bldLst>
-  </p:timing>
 </p:sld>
 </file>
 

--- a/Week2_2025_DB.pptx
+++ b/Week2_2025_DB.pptx
@@ -5,7 +5,7 @@
     <p:sldMasterId id="2147483648" r:id="rId1"/>
   </p:sldMasterIdLst>
   <p:notesMasterIdLst>
-    <p:notesMasterId r:id="rId25"/>
+    <p:notesMasterId r:id="rId26"/>
   </p:notesMasterIdLst>
   <p:sldIdLst>
     <p:sldId id="287" r:id="rId2"/>
@@ -26,11 +26,12 @@
     <p:sldId id="295" r:id="rId17"/>
     <p:sldId id="296" r:id="rId18"/>
     <p:sldId id="297" r:id="rId19"/>
-    <p:sldId id="285" r:id="rId20"/>
-    <p:sldId id="269" r:id="rId21"/>
-    <p:sldId id="290" r:id="rId22"/>
-    <p:sldId id="291" r:id="rId23"/>
-    <p:sldId id="292" r:id="rId24"/>
+    <p:sldId id="302" r:id="rId20"/>
+    <p:sldId id="285" r:id="rId21"/>
+    <p:sldId id="269" r:id="rId22"/>
+    <p:sldId id="290" r:id="rId23"/>
+    <p:sldId id="291" r:id="rId24"/>
+    <p:sldId id="292" r:id="rId25"/>
   </p:sldIdLst>
   <p:sldSz cx="12192000" cy="6858000"/>
   <p:notesSz cx="6858000" cy="9144000"/>
@@ -941,7 +942,7 @@
           <a:p>
             <a:fld id="{E382336C-00B0-2B40-9B70-26D1CE58CB82}" type="slidenum">
               <a:rPr lang="en-US" smtClean="0"/>
-              <a:t>22</a:t>
+              <a:t>23</a:t>
             </a:fld>
             <a:endParaRPr lang="en-US"/>
           </a:p>
@@ -13524,6 +13525,41 @@
           </a:p>
         </p:txBody>
       </p:sp>
+      <p:sp>
+        <p:nvSpPr>
+          <p:cNvPr id="3" name="TextBox 2">
+            <a:extLst>
+              <a:ext uri="{FF2B5EF4-FFF2-40B4-BE49-F238E27FC236}">
+                <a16:creationId xmlns:a16="http://schemas.microsoft.com/office/drawing/2014/main" id="{86A70F79-02A9-1945-E00B-4BFDFFB6DBDD}"/>
+              </a:ext>
+            </a:extLst>
+          </p:cNvPr>
+          <p:cNvSpPr txBox="1"/>
+          <p:nvPr/>
+        </p:nvSpPr>
+        <p:spPr>
+          <a:xfrm>
+            <a:off x="1499764" y="5109665"/>
+            <a:ext cx="9590315" cy="830997"/>
+          </a:xfrm>
+          <a:prstGeom prst="rect">
+            <a:avLst/>
+          </a:prstGeom>
+          <a:noFill/>
+        </p:spPr>
+        <p:txBody>
+          <a:bodyPr wrap="square">
+            <a:spAutoFit/>
+          </a:bodyPr>
+          <a:lstStyle/>
+          <a:p>
+            <a:r>
+              <a:rPr lang="en-US" sz="2400" dirty="0"/>
+              <a:t>The Product Owners, of each team, are responsible for coordinating others to complete the task.</a:t>
+            </a:r>
+          </a:p>
+        </p:txBody>
+      </p:sp>
     </p:spTree>
     <p:extLst>
       <p:ext uri="{BB962C8B-B14F-4D97-AF65-F5344CB8AC3E}">
@@ -13880,7 +13916,7 @@
         <p:spPr>
           <a:xfrm>
             <a:off x="727668" y="2276410"/>
-            <a:ext cx="11129072" cy="3257174"/>
+            <a:ext cx="11129072" cy="3903504"/>
           </a:xfrm>
           <a:prstGeom prst="rect">
             <a:avLst/>
@@ -13945,7 +13981,14 @@
             </a:r>
             <a:r>
               <a:rPr lang="en-US" sz="2800" dirty="0"/>
-              <a:t> security, accessibility)</a:t>
+              <a:t> security, accessibility,</a:t>
+            </a:r>
+            <a:br>
+              <a:rPr lang="en-US" sz="2800" dirty="0"/>
+            </a:br>
+            <a:r>
+              <a:rPr lang="en-US" sz="2800" dirty="0"/>
+              <a:t>points of integration, identified external components)</a:t>
             </a:r>
           </a:p>
           <a:p>
@@ -14214,7 +14257,7 @@
           <a:p>
             <a:r>
               <a:rPr lang="en-US" sz="2800" dirty="0"/>
-              <a:t>Create a page in the README of the baseline repo to document the requirement resolution process.</a:t>
+              <a:t>Create a README of the baseline repo to document the requirement resolution process.</a:t>
             </a:r>
           </a:p>
         </p:txBody>
@@ -14237,7 +14280,13 @@
   <p:cSld>
     <p:spTree>
       <p:nvGrpSpPr>
-        <p:cNvPr id="1" name=""/>
+        <p:cNvPr id="1" name="">
+          <a:extLst>
+            <a:ext uri="{FF2B5EF4-FFF2-40B4-BE49-F238E27FC236}">
+              <a16:creationId xmlns:a16="http://schemas.microsoft.com/office/drawing/2014/main" id="{8705538F-6152-7BFD-D0E5-B9036CFEE569}"/>
+            </a:ext>
+          </a:extLst>
+        </p:cNvPr>
         <p:cNvGrpSpPr/>
         <p:nvPr/>
       </p:nvGrpSpPr>
@@ -14254,7 +14303,7 @@
           <p:cNvPr id="2" name="Title 1">
             <a:extLst>
               <a:ext uri="{FF2B5EF4-FFF2-40B4-BE49-F238E27FC236}">
-                <a16:creationId xmlns:a16="http://schemas.microsoft.com/office/drawing/2014/main" id="{27FB3796-7A7D-3A54-0712-AAFD1A4DDDB2}"/>
+                <a16:creationId xmlns:a16="http://schemas.microsoft.com/office/drawing/2014/main" id="{B85FD6BF-C1BE-5AB4-7F5D-FC28A4F0B621}"/>
               </a:ext>
             </a:extLst>
           </p:cNvPr>
@@ -14262,104 +14311,34 @@
             <a:spLocks noGrp="1"/>
           </p:cNvSpPr>
           <p:nvPr>
-            <p:ph type="title"/>
+            <p:ph type="ctrTitle"/>
           </p:nvPr>
         </p:nvSpPr>
         <p:spPr>
           <a:xfrm>
-            <a:off x="2246587" y="513201"/>
-            <a:ext cx="7317828" cy="917137"/>
+            <a:off x="2209925" y="431638"/>
+            <a:ext cx="6999389" cy="891788"/>
           </a:xfrm>
         </p:spPr>
         <p:txBody>
-          <a:bodyPr/>
+          <a:bodyPr>
+            <a:normAutofit/>
+          </a:bodyPr>
           <a:lstStyle/>
           <a:p>
             <a:r>
-              <a:rPr lang="en-US" dirty="0"/>
-              <a:t>The Design Concept</a:t>
+              <a:rPr lang="en-US" sz="4400" dirty="0"/>
+              <a:t>Workshop Deliverable today</a:t>
             </a:r>
           </a:p>
         </p:txBody>
       </p:sp>
       <p:pic>
         <p:nvPicPr>
-          <p:cNvPr id="5" name="Picture 4">
-            <a:extLst>
-              <a:ext uri="{FF2B5EF4-FFF2-40B4-BE49-F238E27FC236}">
-                <a16:creationId xmlns:a16="http://schemas.microsoft.com/office/drawing/2014/main" id="{8C0618CB-29DB-160F-895A-81B8435FB5C6}"/>
-              </a:ext>
-            </a:extLst>
-          </p:cNvPr>
-          <p:cNvPicPr>
-            <a:picLocks noChangeAspect="1"/>
-          </p:cNvPicPr>
-          <p:nvPr/>
-        </p:nvPicPr>
-        <p:blipFill>
-          <a:blip r:embed="rId2"/>
-          <a:stretch>
-            <a:fillRect/>
-          </a:stretch>
-        </p:blipFill>
-        <p:spPr>
-          <a:xfrm>
-            <a:off x="1116943" y="3429000"/>
-            <a:ext cx="4979057" cy="1404750"/>
-          </a:xfrm>
-          <a:prstGeom prst="rect">
-            <a:avLst/>
-          </a:prstGeom>
-        </p:spPr>
-      </p:pic>
-      <p:sp>
-        <p:nvSpPr>
-          <p:cNvPr id="7" name="TextBox 6">
-            <a:extLst>
-              <a:ext uri="{FF2B5EF4-FFF2-40B4-BE49-F238E27FC236}">
-                <a16:creationId xmlns:a16="http://schemas.microsoft.com/office/drawing/2014/main" id="{2119DE02-7190-F281-5381-B3A25F88493E}"/>
-              </a:ext>
-            </a:extLst>
-          </p:cNvPr>
-          <p:cNvSpPr txBox="1"/>
-          <p:nvPr/>
-        </p:nvSpPr>
-        <p:spPr>
-          <a:xfrm>
-            <a:off x="1116943" y="4924751"/>
-            <a:ext cx="4519448" cy="1169551"/>
-          </a:xfrm>
-          <a:prstGeom prst="rect">
-            <a:avLst/>
-          </a:prstGeom>
-          <a:noFill/>
-        </p:spPr>
-        <p:txBody>
-          <a:bodyPr wrap="square">
-            <a:spAutoFit/>
-          </a:bodyPr>
-          <a:lstStyle/>
-          <a:p>
-            <a:r>
-              <a:rPr lang="en-AU" sz="1400" b="0" i="0" dirty="0">
-                <a:solidFill>
-                  <a:srgbClr val="172B4D"/>
-                </a:solidFill>
-                <a:effectLst/>
-                <a:latin typeface="-apple-system"/>
-              </a:rPr>
-              <a:t>Our product would be a web-based application, with a frontend client run in a browser, and a backend server as well. The system is standalone. Data would be transferred to the server and stored in our database. Only curated data would be pushed to the client's existing system.</a:t>
-            </a:r>
-            <a:endParaRPr lang="en-US" sz="1400" dirty="0"/>
-          </a:p>
-        </p:txBody>
-      </p:sp>
-      <p:pic>
-        <p:nvPicPr>
-          <p:cNvPr id="3" name="Picture 2" descr="The University of Melbourne – Universities Australia">
-            <a:extLst>
-              <a:ext uri="{FF2B5EF4-FFF2-40B4-BE49-F238E27FC236}">
-                <a16:creationId xmlns:a16="http://schemas.microsoft.com/office/drawing/2014/main" id="{0667D7E1-1252-7FC1-FE7F-43298C462FFC}"/>
+          <p:cNvPr id="1026" name="Picture 2" descr="The University of Melbourne – Universities Australia">
+            <a:extLst>
+              <a:ext uri="{FF2B5EF4-FFF2-40B4-BE49-F238E27FC236}">
+                <a16:creationId xmlns:a16="http://schemas.microsoft.com/office/drawing/2014/main" id="{939A03D6-72C7-08D2-59F7-D6253F2848F5}"/>
               </a:ext>
             </a:extLst>
           </p:cNvPr>
@@ -14369,7 +14348,7 @@
           <p:nvPr/>
         </p:nvPicPr>
         <p:blipFill>
-          <a:blip r:embed="rId3">
+          <a:blip r:embed="rId2">
             <a:extLst>
               <a:ext uri="{28A0092B-C50C-407E-A947-70E740481C1C}">
                 <a14:useLocalDpi xmlns:a14="http://schemas.microsoft.com/office/drawing/2010/main" val="0"/>
@@ -14383,7 +14362,7 @@
         </p:blipFill>
         <p:spPr bwMode="auto">
           <a:xfrm>
-            <a:off x="344433" y="259365"/>
+            <a:off x="341089" y="281152"/>
             <a:ext cx="1319048" cy="1319048"/>
           </a:xfrm>
           <a:prstGeom prst="rect">
@@ -14401,42 +14380,12 @@
           </a:extLst>
         </p:spPr>
       </p:pic>
-      <p:pic>
-        <p:nvPicPr>
-          <p:cNvPr id="6" name="Picture 5" descr="A diagram of a project&#10;&#10;AI-generated content may be incorrect.">
-            <a:extLst>
-              <a:ext uri="{FF2B5EF4-FFF2-40B4-BE49-F238E27FC236}">
-                <a16:creationId xmlns:a16="http://schemas.microsoft.com/office/drawing/2014/main" id="{47E5716C-8061-06A1-92A1-AB26C9084943}"/>
-              </a:ext>
-            </a:extLst>
-          </p:cNvPr>
-          <p:cNvPicPr>
-            <a:picLocks noChangeAspect="1"/>
-          </p:cNvPicPr>
-          <p:nvPr/>
-        </p:nvPicPr>
-        <p:blipFill>
-          <a:blip r:embed="rId4"/>
-          <a:stretch>
-            <a:fillRect/>
-          </a:stretch>
-        </p:blipFill>
-        <p:spPr>
-          <a:xfrm>
-            <a:off x="7002736" y="3304134"/>
-            <a:ext cx="4673600" cy="3302000"/>
-          </a:xfrm>
-          <a:prstGeom prst="rect">
-            <a:avLst/>
-          </a:prstGeom>
-        </p:spPr>
-      </p:pic>
       <p:sp>
         <p:nvSpPr>
-          <p:cNvPr id="9" name="TextBox 8">
-            <a:extLst>
-              <a:ext uri="{FF2B5EF4-FFF2-40B4-BE49-F238E27FC236}">
-                <a16:creationId xmlns:a16="http://schemas.microsoft.com/office/drawing/2014/main" id="{A0CA78BF-9A40-DE73-17DB-98A523CE1FA8}"/>
+          <p:cNvPr id="3" name="TextBox 2">
+            <a:extLst>
+              <a:ext uri="{FF2B5EF4-FFF2-40B4-BE49-F238E27FC236}">
+                <a16:creationId xmlns:a16="http://schemas.microsoft.com/office/drawing/2014/main" id="{7E8084C1-1479-72C0-5C8E-1E5BC51A7A96}"/>
               </a:ext>
             </a:extLst>
           </p:cNvPr>
@@ -14445,38 +14394,70 @@
         </p:nvSpPr>
         <p:spPr>
           <a:xfrm>
-            <a:off x="1429406" y="1862192"/>
-            <a:ext cx="9597915" cy="646331"/>
+            <a:off x="939798" y="2475345"/>
+            <a:ext cx="10882087" cy="1323439"/>
           </a:xfrm>
           <a:prstGeom prst="rect">
             <a:avLst/>
           </a:prstGeom>
-          <a:solidFill>
-            <a:schemeClr val="accent4">
-              <a:lumMod val="40000"/>
-              <a:lumOff val="60000"/>
-            </a:schemeClr>
-          </a:solidFill>
+          <a:noFill/>
         </p:spPr>
         <p:txBody>
-          <a:bodyPr wrap="square">
+          <a:bodyPr wrap="square" rtlCol="0">
             <a:spAutoFit/>
           </a:bodyPr>
           <a:lstStyle/>
           <a:p>
-            <a:r>
-              <a:rPr lang="en-US" sz="3600" dirty="0"/>
-              <a:t>It’s a block diagram + a description of the diagram</a:t>
+            <a:pPr marL="342900" indent="-342900">
+              <a:buFont typeface="+mj-lt"/>
+              <a:buAutoNum type="arabicPeriod"/>
+            </a:pPr>
+            <a:r>
+              <a:rPr lang="en-US" sz="2000" dirty="0"/>
+              <a:t>The Product owner will lead the consolidation. Choose 2 other team members to participate with this work</a:t>
+            </a:r>
+            <a:endParaRPr lang="en-US" sz="2000" b="1" dirty="0"/>
+          </a:p>
+          <a:p>
+            <a:pPr marL="342900" indent="-342900">
+              <a:buFont typeface="+mj-lt"/>
+              <a:buAutoNum type="arabicPeriod"/>
+            </a:pPr>
+            <a:r>
+              <a:rPr lang="en-US" sz="2000" dirty="0"/>
+              <a:t>Choose 2 team members to participate in </a:t>
+            </a:r>
+            <a:r>
+              <a:rPr lang="en-US" sz="2000" b="1" dirty="0"/>
+              <a:t>technical review </a:t>
+            </a:r>
+            <a:r>
+              <a:rPr lang="en-US" sz="2000" dirty="0"/>
+              <a:t>of the baseline</a:t>
+            </a:r>
+          </a:p>
+          <a:p>
+            <a:pPr marL="342900" indent="-342900">
+              <a:buFont typeface="+mj-lt"/>
+              <a:buAutoNum type="arabicPeriod"/>
+            </a:pPr>
+            <a:r>
+              <a:rPr lang="en-US" sz="2000" dirty="0"/>
+              <a:t>Choose 2 team members to participate in </a:t>
+            </a:r>
+            <a:r>
+              <a:rPr lang="en-US" sz="2000" b="1" dirty="0"/>
+              <a:t>review of the user/client related artefacts</a:t>
             </a:r>
           </a:p>
         </p:txBody>
       </p:sp>
       <p:sp>
         <p:nvSpPr>
-          <p:cNvPr id="14" name="TextBox 13">
-            <a:extLst>
-              <a:ext uri="{FF2B5EF4-FFF2-40B4-BE49-F238E27FC236}">
-                <a16:creationId xmlns:a16="http://schemas.microsoft.com/office/drawing/2014/main" id="{90E08600-588E-371F-72DD-9C38F360B7FB}"/>
+          <p:cNvPr id="5" name="TextBox 4">
+            <a:extLst>
+              <a:ext uri="{FF2B5EF4-FFF2-40B4-BE49-F238E27FC236}">
+                <a16:creationId xmlns:a16="http://schemas.microsoft.com/office/drawing/2014/main" id="{FC230696-3150-6D77-FC81-D8B04B63A5B3}"/>
               </a:ext>
             </a:extLst>
           </p:cNvPr>
@@ -14485,8 +14466,43 @@
         </p:nvSpPr>
         <p:spPr>
           <a:xfrm>
-            <a:off x="1116943" y="2882250"/>
-            <a:ext cx="1319048" cy="369332"/>
+            <a:off x="881741" y="1938440"/>
+            <a:ext cx="4135171" cy="400110"/>
+          </a:xfrm>
+          <a:prstGeom prst="rect">
+            <a:avLst/>
+          </a:prstGeom>
+          <a:noFill/>
+        </p:spPr>
+        <p:txBody>
+          <a:bodyPr wrap="none" rtlCol="0">
+            <a:spAutoFit/>
+          </a:bodyPr>
+          <a:lstStyle/>
+          <a:p>
+            <a:r>
+              <a:rPr lang="en-US" sz="2000" dirty="0"/>
+              <a:t>Do these steps within your own team;</a:t>
+            </a:r>
+          </a:p>
+        </p:txBody>
+      </p:sp>
+      <p:sp>
+        <p:nvSpPr>
+          <p:cNvPr id="12" name="TextBox 11">
+            <a:extLst>
+              <a:ext uri="{FF2B5EF4-FFF2-40B4-BE49-F238E27FC236}">
+                <a16:creationId xmlns:a16="http://schemas.microsoft.com/office/drawing/2014/main" id="{3A0AC9A0-FDB1-7383-F39A-D04C76933F27}"/>
+              </a:ext>
+            </a:extLst>
+          </p:cNvPr>
+          <p:cNvSpPr txBox="1"/>
+          <p:nvPr/>
+        </p:nvSpPr>
+        <p:spPr>
+          <a:xfrm>
+            <a:off x="974269" y="4295483"/>
+            <a:ext cx="10243459" cy="1323439"/>
           </a:xfrm>
           <a:prstGeom prst="rect">
             <a:avLst/>
@@ -14500,65 +14516,42 @@
           <a:lstStyle/>
           <a:p>
             <a:r>
-              <a:rPr lang="en-AU" sz="1800" b="0" i="0" dirty="0">
-                <a:solidFill>
-                  <a:srgbClr val="172B4D"/>
-                </a:solidFill>
-                <a:effectLst/>
-                <a:latin typeface="-apple-system"/>
-              </a:rPr>
-              <a:t>Example:</a:t>
-            </a:r>
-            <a:endParaRPr lang="en-US" dirty="0"/>
-          </a:p>
-        </p:txBody>
-      </p:sp>
-      <p:sp>
-        <p:nvSpPr>
-          <p:cNvPr id="15" name="TextBox 14">
-            <a:extLst>
-              <a:ext uri="{FF2B5EF4-FFF2-40B4-BE49-F238E27FC236}">
-                <a16:creationId xmlns:a16="http://schemas.microsoft.com/office/drawing/2014/main" id="{33F3439D-52E5-C421-79EB-C1D67B010287}"/>
-              </a:ext>
-            </a:extLst>
-          </p:cNvPr>
-          <p:cNvSpPr txBox="1"/>
-          <p:nvPr/>
-        </p:nvSpPr>
-        <p:spPr>
-          <a:xfrm>
-            <a:off x="7002736" y="2934802"/>
-            <a:ext cx="1319048" cy="369332"/>
-          </a:xfrm>
-          <a:prstGeom prst="rect">
-            <a:avLst/>
-          </a:prstGeom>
-          <a:noFill/>
-        </p:spPr>
-        <p:txBody>
-          <a:bodyPr wrap="square">
-            <a:spAutoFit/>
-          </a:bodyPr>
-          <a:lstStyle/>
-          <a:p>
-            <a:r>
-              <a:rPr lang="en-AU" sz="1800" b="0" i="0" dirty="0">
-                <a:solidFill>
-                  <a:srgbClr val="172B4D"/>
-                </a:solidFill>
-                <a:effectLst/>
-                <a:latin typeface="-apple-system"/>
-              </a:rPr>
-              <a:t>Example:</a:t>
-            </a:r>
-            <a:endParaRPr lang="en-US" dirty="0"/>
+              <a:rPr lang="en-AU" sz="2000" dirty="0"/>
+              <a:t>Create a </a:t>
+            </a:r>
+            <a:r>
+              <a:rPr lang="en-AU" sz="2000" dirty="0" err="1"/>
+              <a:t>README.md</a:t>
+            </a:r>
+            <a:r>
+              <a:rPr lang="en-AU" sz="2000" dirty="0"/>
+              <a:t> file, in your </a:t>
+            </a:r>
+            <a:r>
+              <a:rPr lang="en-AU" sz="2000" u="sng" dirty="0"/>
+              <a:t>baseline</a:t>
+            </a:r>
+            <a:r>
+              <a:rPr lang="en-AU" sz="2000" dirty="0"/>
+              <a:t> GitHub repository. </a:t>
+            </a:r>
+          </a:p>
+          <a:p>
+            <a:br>
+              <a:rPr lang="en-AU" sz="2000" dirty="0"/>
+            </a:br>
+            <a:r>
+              <a:rPr lang="en-AU" sz="2000" dirty="0"/>
+              <a:t>On it, list all team members’ contact details, and clearly state the role each person will play in requirements resolution process.</a:t>
+            </a:r>
+            <a:endParaRPr lang="en-US" sz="2000" dirty="0"/>
           </a:p>
         </p:txBody>
       </p:sp>
     </p:spTree>
     <p:extLst>
       <p:ext uri="{BB962C8B-B14F-4D97-AF65-F5344CB8AC3E}">
-        <p14:creationId xmlns:p14="http://schemas.microsoft.com/office/powerpoint/2010/main" val="3939939258"/>
+        <p14:creationId xmlns:p14="http://schemas.microsoft.com/office/powerpoint/2010/main" val="2598309573"/>
       </p:ext>
     </p:extLst>
   </p:cSld>
@@ -15227,6 +15220,342 @@
 </file>
 
 <file path=ppt/slides/slide20.xml><?xml version="1.0" encoding="utf-8"?>
+<p:sld xmlns:a="http://schemas.openxmlformats.org/drawingml/2006/main" xmlns:r="http://schemas.openxmlformats.org/officeDocument/2006/relationships" xmlns:p="http://schemas.openxmlformats.org/presentationml/2006/main">
+  <p:cSld>
+    <p:spTree>
+      <p:nvGrpSpPr>
+        <p:cNvPr id="1" name=""/>
+        <p:cNvGrpSpPr/>
+        <p:nvPr/>
+      </p:nvGrpSpPr>
+      <p:grpSpPr>
+        <a:xfrm>
+          <a:off x="0" y="0"/>
+          <a:ext cx="0" cy="0"/>
+          <a:chOff x="0" y="0"/>
+          <a:chExt cx="0" cy="0"/>
+        </a:xfrm>
+      </p:grpSpPr>
+      <p:sp>
+        <p:nvSpPr>
+          <p:cNvPr id="2" name="Title 1">
+            <a:extLst>
+              <a:ext uri="{FF2B5EF4-FFF2-40B4-BE49-F238E27FC236}">
+                <a16:creationId xmlns:a16="http://schemas.microsoft.com/office/drawing/2014/main" id="{27FB3796-7A7D-3A54-0712-AAFD1A4DDDB2}"/>
+              </a:ext>
+            </a:extLst>
+          </p:cNvPr>
+          <p:cNvSpPr>
+            <a:spLocks noGrp="1"/>
+          </p:cNvSpPr>
+          <p:nvPr>
+            <p:ph type="title"/>
+          </p:nvPr>
+        </p:nvSpPr>
+        <p:spPr>
+          <a:xfrm>
+            <a:off x="2246587" y="513201"/>
+            <a:ext cx="7317828" cy="917137"/>
+          </a:xfrm>
+        </p:spPr>
+        <p:txBody>
+          <a:bodyPr/>
+          <a:lstStyle/>
+          <a:p>
+            <a:r>
+              <a:rPr lang="en-US" dirty="0"/>
+              <a:t>The Design Concept</a:t>
+            </a:r>
+          </a:p>
+        </p:txBody>
+      </p:sp>
+      <p:pic>
+        <p:nvPicPr>
+          <p:cNvPr id="5" name="Picture 4">
+            <a:extLst>
+              <a:ext uri="{FF2B5EF4-FFF2-40B4-BE49-F238E27FC236}">
+                <a16:creationId xmlns:a16="http://schemas.microsoft.com/office/drawing/2014/main" id="{8C0618CB-29DB-160F-895A-81B8435FB5C6}"/>
+              </a:ext>
+            </a:extLst>
+          </p:cNvPr>
+          <p:cNvPicPr>
+            <a:picLocks noChangeAspect="1"/>
+          </p:cNvPicPr>
+          <p:nvPr/>
+        </p:nvPicPr>
+        <p:blipFill>
+          <a:blip r:embed="rId2"/>
+          <a:stretch>
+            <a:fillRect/>
+          </a:stretch>
+        </p:blipFill>
+        <p:spPr>
+          <a:xfrm>
+            <a:off x="1116943" y="3429000"/>
+            <a:ext cx="4979057" cy="1404750"/>
+          </a:xfrm>
+          <a:prstGeom prst="rect">
+            <a:avLst/>
+          </a:prstGeom>
+        </p:spPr>
+      </p:pic>
+      <p:sp>
+        <p:nvSpPr>
+          <p:cNvPr id="7" name="TextBox 6">
+            <a:extLst>
+              <a:ext uri="{FF2B5EF4-FFF2-40B4-BE49-F238E27FC236}">
+                <a16:creationId xmlns:a16="http://schemas.microsoft.com/office/drawing/2014/main" id="{2119DE02-7190-F281-5381-B3A25F88493E}"/>
+              </a:ext>
+            </a:extLst>
+          </p:cNvPr>
+          <p:cNvSpPr txBox="1"/>
+          <p:nvPr/>
+        </p:nvSpPr>
+        <p:spPr>
+          <a:xfrm>
+            <a:off x="1116943" y="4924751"/>
+            <a:ext cx="4519448" cy="1169551"/>
+          </a:xfrm>
+          <a:prstGeom prst="rect">
+            <a:avLst/>
+          </a:prstGeom>
+          <a:noFill/>
+        </p:spPr>
+        <p:txBody>
+          <a:bodyPr wrap="square">
+            <a:spAutoFit/>
+          </a:bodyPr>
+          <a:lstStyle/>
+          <a:p>
+            <a:r>
+              <a:rPr lang="en-AU" sz="1400" b="0" i="0" dirty="0">
+                <a:solidFill>
+                  <a:srgbClr val="172B4D"/>
+                </a:solidFill>
+                <a:effectLst/>
+                <a:latin typeface="-apple-system"/>
+              </a:rPr>
+              <a:t>Our product would be a web-based application, with a frontend client run in a browser, and a backend server as well. The system is standalone. Data would be transferred to the server and stored in our database. Only curated data would be pushed to the client's existing system.</a:t>
+            </a:r>
+            <a:endParaRPr lang="en-US" sz="1400" dirty="0"/>
+          </a:p>
+        </p:txBody>
+      </p:sp>
+      <p:pic>
+        <p:nvPicPr>
+          <p:cNvPr id="3" name="Picture 2" descr="The University of Melbourne – Universities Australia">
+            <a:extLst>
+              <a:ext uri="{FF2B5EF4-FFF2-40B4-BE49-F238E27FC236}">
+                <a16:creationId xmlns:a16="http://schemas.microsoft.com/office/drawing/2014/main" id="{0667D7E1-1252-7FC1-FE7F-43298C462FFC}"/>
+              </a:ext>
+            </a:extLst>
+          </p:cNvPr>
+          <p:cNvPicPr>
+            <a:picLocks noChangeAspect="1" noChangeArrowheads="1"/>
+          </p:cNvPicPr>
+          <p:nvPr/>
+        </p:nvPicPr>
+        <p:blipFill>
+          <a:blip r:embed="rId3">
+            <a:extLst>
+              <a:ext uri="{28A0092B-C50C-407E-A947-70E740481C1C}">
+                <a14:useLocalDpi xmlns:a14="http://schemas.microsoft.com/office/drawing/2010/main" val="0"/>
+              </a:ext>
+            </a:extLst>
+          </a:blip>
+          <a:srcRect/>
+          <a:stretch>
+            <a:fillRect/>
+          </a:stretch>
+        </p:blipFill>
+        <p:spPr bwMode="auto">
+          <a:xfrm>
+            <a:off x="344433" y="259365"/>
+            <a:ext cx="1319048" cy="1319048"/>
+          </a:xfrm>
+          <a:prstGeom prst="rect">
+            <a:avLst/>
+          </a:prstGeom>
+          <a:noFill/>
+          <a:extLst>
+            <a:ext uri="{909E8E84-426E-40DD-AFC4-6F175D3DCCD1}">
+              <a14:hiddenFill xmlns:a14="http://schemas.microsoft.com/office/drawing/2010/main">
+                <a:solidFill>
+                  <a:srgbClr val="FFFFFF"/>
+                </a:solidFill>
+              </a14:hiddenFill>
+            </a:ext>
+          </a:extLst>
+        </p:spPr>
+      </p:pic>
+      <p:pic>
+        <p:nvPicPr>
+          <p:cNvPr id="6" name="Picture 5" descr="A diagram of a project&#10;&#10;AI-generated content may be incorrect.">
+            <a:extLst>
+              <a:ext uri="{FF2B5EF4-FFF2-40B4-BE49-F238E27FC236}">
+                <a16:creationId xmlns:a16="http://schemas.microsoft.com/office/drawing/2014/main" id="{47E5716C-8061-06A1-92A1-AB26C9084943}"/>
+              </a:ext>
+            </a:extLst>
+          </p:cNvPr>
+          <p:cNvPicPr>
+            <a:picLocks noChangeAspect="1"/>
+          </p:cNvPicPr>
+          <p:nvPr/>
+        </p:nvPicPr>
+        <p:blipFill>
+          <a:blip r:embed="rId4"/>
+          <a:stretch>
+            <a:fillRect/>
+          </a:stretch>
+        </p:blipFill>
+        <p:spPr>
+          <a:xfrm>
+            <a:off x="7002736" y="3304134"/>
+            <a:ext cx="4673600" cy="3302000"/>
+          </a:xfrm>
+          <a:prstGeom prst="rect">
+            <a:avLst/>
+          </a:prstGeom>
+        </p:spPr>
+      </p:pic>
+      <p:sp>
+        <p:nvSpPr>
+          <p:cNvPr id="9" name="TextBox 8">
+            <a:extLst>
+              <a:ext uri="{FF2B5EF4-FFF2-40B4-BE49-F238E27FC236}">
+                <a16:creationId xmlns:a16="http://schemas.microsoft.com/office/drawing/2014/main" id="{A0CA78BF-9A40-DE73-17DB-98A523CE1FA8}"/>
+              </a:ext>
+            </a:extLst>
+          </p:cNvPr>
+          <p:cNvSpPr txBox="1"/>
+          <p:nvPr/>
+        </p:nvSpPr>
+        <p:spPr>
+          <a:xfrm>
+            <a:off x="1429406" y="1862192"/>
+            <a:ext cx="9597915" cy="646331"/>
+          </a:xfrm>
+          <a:prstGeom prst="rect">
+            <a:avLst/>
+          </a:prstGeom>
+          <a:solidFill>
+            <a:schemeClr val="accent4">
+              <a:lumMod val="40000"/>
+              <a:lumOff val="60000"/>
+            </a:schemeClr>
+          </a:solidFill>
+        </p:spPr>
+        <p:txBody>
+          <a:bodyPr wrap="square">
+            <a:spAutoFit/>
+          </a:bodyPr>
+          <a:lstStyle/>
+          <a:p>
+            <a:r>
+              <a:rPr lang="en-US" sz="3600" dirty="0"/>
+              <a:t>It’s a block diagram + a description of the diagram</a:t>
+            </a:r>
+          </a:p>
+        </p:txBody>
+      </p:sp>
+      <p:sp>
+        <p:nvSpPr>
+          <p:cNvPr id="14" name="TextBox 13">
+            <a:extLst>
+              <a:ext uri="{FF2B5EF4-FFF2-40B4-BE49-F238E27FC236}">
+                <a16:creationId xmlns:a16="http://schemas.microsoft.com/office/drawing/2014/main" id="{90E08600-588E-371F-72DD-9C38F360B7FB}"/>
+              </a:ext>
+            </a:extLst>
+          </p:cNvPr>
+          <p:cNvSpPr txBox="1"/>
+          <p:nvPr/>
+        </p:nvSpPr>
+        <p:spPr>
+          <a:xfrm>
+            <a:off x="1116943" y="2882250"/>
+            <a:ext cx="1319048" cy="369332"/>
+          </a:xfrm>
+          <a:prstGeom prst="rect">
+            <a:avLst/>
+          </a:prstGeom>
+          <a:noFill/>
+        </p:spPr>
+        <p:txBody>
+          <a:bodyPr wrap="square">
+            <a:spAutoFit/>
+          </a:bodyPr>
+          <a:lstStyle/>
+          <a:p>
+            <a:r>
+              <a:rPr lang="en-AU" sz="1800" b="0" i="0" dirty="0">
+                <a:solidFill>
+                  <a:srgbClr val="172B4D"/>
+                </a:solidFill>
+                <a:effectLst/>
+                <a:latin typeface="-apple-system"/>
+              </a:rPr>
+              <a:t>Example:</a:t>
+            </a:r>
+            <a:endParaRPr lang="en-US" dirty="0"/>
+          </a:p>
+        </p:txBody>
+      </p:sp>
+      <p:sp>
+        <p:nvSpPr>
+          <p:cNvPr id="15" name="TextBox 14">
+            <a:extLst>
+              <a:ext uri="{FF2B5EF4-FFF2-40B4-BE49-F238E27FC236}">
+                <a16:creationId xmlns:a16="http://schemas.microsoft.com/office/drawing/2014/main" id="{33F3439D-52E5-C421-79EB-C1D67B010287}"/>
+              </a:ext>
+            </a:extLst>
+          </p:cNvPr>
+          <p:cNvSpPr txBox="1"/>
+          <p:nvPr/>
+        </p:nvSpPr>
+        <p:spPr>
+          <a:xfrm>
+            <a:off x="7002736" y="2934802"/>
+            <a:ext cx="1319048" cy="369332"/>
+          </a:xfrm>
+          <a:prstGeom prst="rect">
+            <a:avLst/>
+          </a:prstGeom>
+          <a:noFill/>
+        </p:spPr>
+        <p:txBody>
+          <a:bodyPr wrap="square">
+            <a:spAutoFit/>
+          </a:bodyPr>
+          <a:lstStyle/>
+          <a:p>
+            <a:r>
+              <a:rPr lang="en-AU" sz="1800" b="0" i="0" dirty="0">
+                <a:solidFill>
+                  <a:srgbClr val="172B4D"/>
+                </a:solidFill>
+                <a:effectLst/>
+                <a:latin typeface="-apple-system"/>
+              </a:rPr>
+              <a:t>Example:</a:t>
+            </a:r>
+            <a:endParaRPr lang="en-US" dirty="0"/>
+          </a:p>
+        </p:txBody>
+      </p:sp>
+    </p:spTree>
+    <p:extLst>
+      <p:ext uri="{BB962C8B-B14F-4D97-AF65-F5344CB8AC3E}">
+        <p14:creationId xmlns:p14="http://schemas.microsoft.com/office/powerpoint/2010/main" val="3939939258"/>
+      </p:ext>
+    </p:extLst>
+  </p:cSld>
+  <p:clrMapOvr>
+    <a:masterClrMapping/>
+  </p:clrMapOvr>
+</p:sld>
+</file>
+
+<file path=ppt/slides/slide21.xml><?xml version="1.0" encoding="utf-8"?>
 <p:sld xmlns:a="http://schemas.openxmlformats.org/drawingml/2006/main" xmlns:r="http://schemas.openxmlformats.org/officeDocument/2006/relationships" xmlns:p="http://schemas.openxmlformats.org/presentationml/2006/main">
   <p:cSld>
     <p:spTree>
@@ -15655,7 +15984,7 @@
 </p:sld>
 </file>
 
-<file path=ppt/slides/slide21.xml><?xml version="1.0" encoding="utf-8"?>
+<file path=ppt/slides/slide22.xml><?xml version="1.0" encoding="utf-8"?>
 <p:sld xmlns:a="http://schemas.openxmlformats.org/drawingml/2006/main" xmlns:r="http://schemas.openxmlformats.org/officeDocument/2006/relationships" xmlns:p="http://schemas.openxmlformats.org/presentationml/2006/main">
   <p:cSld>
     <p:spTree>
@@ -15812,7 +16141,7 @@
 </p:sld>
 </file>
 
-<file path=ppt/slides/slide22.xml><?xml version="1.0" encoding="utf-8"?>
+<file path=ppt/slides/slide23.xml><?xml version="1.0" encoding="utf-8"?>
 <p:sld xmlns:a="http://schemas.openxmlformats.org/drawingml/2006/main" xmlns:r="http://schemas.openxmlformats.org/officeDocument/2006/relationships" xmlns:p="http://schemas.openxmlformats.org/presentationml/2006/main">
   <p:cSld>
     <p:spTree>
@@ -15969,7 +16298,7 @@
 </p:sld>
 </file>
 
-<file path=ppt/slides/slide23.xml><?xml version="1.0" encoding="utf-8"?>
+<file path=ppt/slides/slide24.xml><?xml version="1.0" encoding="utf-8"?>
 <p:sld xmlns:a="http://schemas.openxmlformats.org/drawingml/2006/main" xmlns:r="http://schemas.openxmlformats.org/officeDocument/2006/relationships" xmlns:p="http://schemas.openxmlformats.org/presentationml/2006/main">
   <p:cSld>
     <p:spTree>

--- a/Week2_2025_DB.pptx
+++ b/Week2_2025_DB.pptx
@@ -14257,7 +14257,15 @@
           <a:p>
             <a:r>
               <a:rPr lang="en-US" sz="2800" dirty="0"/>
-              <a:t>Create a README of the baseline repo to document the requirement resolution process.</a:t>
+              <a:t>Create a file ‘Requirements </a:t>
+            </a:r>
+            <a:r>
+              <a:rPr lang="en-US" sz="2800" dirty="0" err="1"/>
+              <a:t>Resolution.md</a:t>
+            </a:r>
+            <a:r>
+              <a:rPr lang="en-US" sz="2800" dirty="0"/>
+              <a:t>’ in the baseline repo to document the requirement resolution process.</a:t>
             </a:r>
           </a:p>
         </p:txBody>
@@ -14520,8 +14528,12 @@
               <a:t>Create a </a:t>
             </a:r>
             <a:r>
-              <a:rPr lang="en-AU" sz="2000" dirty="0" err="1"/>
-              <a:t>README.md</a:t>
+              <a:rPr lang="en-AU" sz="2000" i="1" dirty="0"/>
+              <a:t>Requirements-</a:t>
+            </a:r>
+            <a:r>
+              <a:rPr lang="en-AU" sz="2000" i="1" dirty="0" err="1"/>
+              <a:t>resolution.md</a:t>
             </a:r>
             <a:r>
               <a:rPr lang="en-AU" sz="2000" dirty="0"/>
